--- a/쇼핑몰 만들기.pptx
+++ b/쇼핑몰 만들기.pptx
@@ -2,20 +2,19 @@
 <file path=ppt/presentation.xml><?xml version="1.0" encoding="utf-8"?>
 <p:presentation xmlns:a="http://schemas.openxmlformats.org/drawingml/2006/main" xmlns:r="http://schemas.openxmlformats.org/officeDocument/2006/relationships" xmlns:p="http://schemas.openxmlformats.org/presentationml/2006/main" saveSubsetFonts="1">
   <p:sldMasterIdLst>
-    <p:sldMasterId id="2147483660" r:id="rId1"/>
+    <p:sldMasterId id="2147483672" r:id="rId1"/>
   </p:sldMasterIdLst>
   <p:sldIdLst>
-    <p:sldId id="258" r:id="rId2"/>
-    <p:sldId id="257" r:id="rId3"/>
-    <p:sldId id="256" r:id="rId4"/>
-    <p:sldId id="259" r:id="rId5"/>
-    <p:sldId id="260" r:id="rId6"/>
-    <p:sldId id="261" r:id="rId7"/>
-    <p:sldId id="262" r:id="rId8"/>
-    <p:sldId id="263" r:id="rId9"/>
-    <p:sldId id="264" r:id="rId10"/>
+    <p:sldId id="260" r:id="rId2"/>
+    <p:sldId id="261" r:id="rId3"/>
+    <p:sldId id="262" r:id="rId4"/>
+    <p:sldId id="263" r:id="rId5"/>
+    <p:sldId id="264" r:id="rId6"/>
+    <p:sldId id="265" r:id="rId7"/>
+    <p:sldId id="266" r:id="rId8"/>
+    <p:sldId id="267" r:id="rId9"/>
   </p:sldIdLst>
-  <p:sldSz cx="9144000" cy="6858000" type="screen4x3"/>
+  <p:sldSz cx="12192000" cy="6858000"/>
   <p:notesSz cx="6858000" cy="9144000"/>
   <p:defaultTextStyle>
     <a:defPPr>
@@ -149,8 +148,8 @@
         </p:nvSpPr>
         <p:spPr>
           <a:xfrm>
-            <a:off x="685800" y="1122363"/>
-            <a:ext cx="7772400" cy="2387600"/>
+            <a:off x="1524000" y="1122363"/>
+            <a:ext cx="9144000" cy="2387600"/>
           </a:xfrm>
         </p:spPr>
         <p:txBody>
@@ -181,8 +180,8 @@
         </p:nvSpPr>
         <p:spPr>
           <a:xfrm>
-            <a:off x="1143000" y="3602038"/>
-            <a:ext cx="6858000" cy="1655762"/>
+            <a:off x="1524000" y="3602038"/>
+            <a:ext cx="9144000" cy="1655762"/>
           </a:xfrm>
         </p:spPr>
         <p:txBody>
@@ -251,7 +250,7 @@
           <a:p>
             <a:fld id="{05A242A7-778D-4DD0-AB30-E04130399CFA}" type="datetimeFigureOut">
               <a:rPr lang="ko-KR" altLang="en-US" smtClean="0"/>
-              <a:t>2020-08-20</a:t>
+              <a:t>2020-09-02</a:t>
             </a:fld>
             <a:endParaRPr lang="ko-KR" altLang="en-US"/>
           </a:p>
@@ -302,7 +301,7 @@
     </p:spTree>
     <p:extLst>
       <p:ext uri="{BB962C8B-B14F-4D97-AF65-F5344CB8AC3E}">
-        <p14:creationId xmlns:p14="http://schemas.microsoft.com/office/powerpoint/2010/main" val="2482765742"/>
+        <p14:creationId xmlns:p14="http://schemas.microsoft.com/office/powerpoint/2010/main" val="635535798"/>
       </p:ext>
     </p:extLst>
   </p:cSld>
@@ -421,7 +420,7 @@
           <a:p>
             <a:fld id="{05A242A7-778D-4DD0-AB30-E04130399CFA}" type="datetimeFigureOut">
               <a:rPr lang="ko-KR" altLang="en-US" smtClean="0"/>
-              <a:t>2020-08-20</a:t>
+              <a:t>2020-09-02</a:t>
             </a:fld>
             <a:endParaRPr lang="ko-KR" altLang="en-US"/>
           </a:p>
@@ -472,7 +471,7 @@
     </p:spTree>
     <p:extLst>
       <p:ext uri="{BB962C8B-B14F-4D97-AF65-F5344CB8AC3E}">
-        <p14:creationId xmlns:p14="http://schemas.microsoft.com/office/powerpoint/2010/main" val="1399594096"/>
+        <p14:creationId xmlns:p14="http://schemas.microsoft.com/office/powerpoint/2010/main" val="2700505318"/>
       </p:ext>
     </p:extLst>
   </p:cSld>
@@ -511,8 +510,8 @@
         </p:nvSpPr>
         <p:spPr>
           <a:xfrm>
-            <a:off x="6543675" y="365125"/>
-            <a:ext cx="1971675" cy="5811838"/>
+            <a:off x="8724900" y="365125"/>
+            <a:ext cx="2628900" cy="5811838"/>
           </a:xfrm>
         </p:spPr>
         <p:txBody>
@@ -539,8 +538,8 @@
         </p:nvSpPr>
         <p:spPr>
           <a:xfrm>
-            <a:off x="628650" y="365125"/>
-            <a:ext cx="5800725" cy="5811838"/>
+            <a:off x="838200" y="365125"/>
+            <a:ext cx="7734300" cy="5811838"/>
           </a:xfrm>
         </p:spPr>
         <p:txBody>
@@ -601,7 +600,7 @@
           <a:p>
             <a:fld id="{05A242A7-778D-4DD0-AB30-E04130399CFA}" type="datetimeFigureOut">
               <a:rPr lang="ko-KR" altLang="en-US" smtClean="0"/>
-              <a:t>2020-08-20</a:t>
+              <a:t>2020-09-02</a:t>
             </a:fld>
             <a:endParaRPr lang="ko-KR" altLang="en-US"/>
           </a:p>
@@ -652,7 +651,7 @@
     </p:spTree>
     <p:extLst>
       <p:ext uri="{BB962C8B-B14F-4D97-AF65-F5344CB8AC3E}">
-        <p14:creationId xmlns:p14="http://schemas.microsoft.com/office/powerpoint/2010/main" val="807204742"/>
+        <p14:creationId xmlns:p14="http://schemas.microsoft.com/office/powerpoint/2010/main" val="3975187380"/>
       </p:ext>
     </p:extLst>
   </p:cSld>
@@ -771,7 +770,7 @@
           <a:p>
             <a:fld id="{05A242A7-778D-4DD0-AB30-E04130399CFA}" type="datetimeFigureOut">
               <a:rPr lang="ko-KR" altLang="en-US" smtClean="0"/>
-              <a:t>2020-08-20</a:t>
+              <a:t>2020-09-02</a:t>
             </a:fld>
             <a:endParaRPr lang="ko-KR" altLang="en-US"/>
           </a:p>
@@ -822,7 +821,7 @@
     </p:spTree>
     <p:extLst>
       <p:ext uri="{BB962C8B-B14F-4D97-AF65-F5344CB8AC3E}">
-        <p14:creationId xmlns:p14="http://schemas.microsoft.com/office/powerpoint/2010/main" val="4031908450"/>
+        <p14:creationId xmlns:p14="http://schemas.microsoft.com/office/powerpoint/2010/main" val="804590707"/>
       </p:ext>
     </p:extLst>
   </p:cSld>
@@ -861,8 +860,8 @@
         </p:nvSpPr>
         <p:spPr>
           <a:xfrm>
-            <a:off x="623888" y="1709739"/>
-            <a:ext cx="7886700" cy="2852737"/>
+            <a:off x="831850" y="1709738"/>
+            <a:ext cx="10515600" cy="2852737"/>
           </a:xfrm>
         </p:spPr>
         <p:txBody>
@@ -893,8 +892,8 @@
         </p:nvSpPr>
         <p:spPr>
           <a:xfrm>
-            <a:off x="623888" y="4589464"/>
-            <a:ext cx="7886700" cy="1500187"/>
+            <a:off x="831850" y="4589463"/>
+            <a:ext cx="10515600" cy="1500187"/>
           </a:xfrm>
         </p:spPr>
         <p:txBody>
@@ -904,7 +903,9 @@
               <a:buNone/>
               <a:defRPr sz="2400">
                 <a:solidFill>
-                  <a:schemeClr val="tx1"/>
+                  <a:schemeClr val="tx1">
+                    <a:tint val="75000"/>
+                  </a:schemeClr>
                 </a:solidFill>
               </a:defRPr>
             </a:lvl1pPr>
@@ -1015,7 +1016,7 @@
           <a:p>
             <a:fld id="{05A242A7-778D-4DD0-AB30-E04130399CFA}" type="datetimeFigureOut">
               <a:rPr lang="ko-KR" altLang="en-US" smtClean="0"/>
-              <a:t>2020-08-20</a:t>
+              <a:t>2020-09-02</a:t>
             </a:fld>
             <a:endParaRPr lang="ko-KR" altLang="en-US"/>
           </a:p>
@@ -1066,7 +1067,7 @@
     </p:spTree>
     <p:extLst>
       <p:ext uri="{BB962C8B-B14F-4D97-AF65-F5344CB8AC3E}">
-        <p14:creationId xmlns:p14="http://schemas.microsoft.com/office/powerpoint/2010/main" val="250604563"/>
+        <p14:creationId xmlns:p14="http://schemas.microsoft.com/office/powerpoint/2010/main" val="2253063825"/>
       </p:ext>
     </p:extLst>
   </p:cSld>
@@ -1128,8 +1129,8 @@
         </p:nvSpPr>
         <p:spPr>
           <a:xfrm>
-            <a:off x="628650" y="1825625"/>
-            <a:ext cx="3886200" cy="4351338"/>
+            <a:off x="838200" y="1825625"/>
+            <a:ext cx="5181600" cy="4351338"/>
           </a:xfrm>
         </p:spPr>
         <p:txBody>
@@ -1185,8 +1186,8 @@
         </p:nvSpPr>
         <p:spPr>
           <a:xfrm>
-            <a:off x="4629150" y="1825625"/>
-            <a:ext cx="3886200" cy="4351338"/>
+            <a:off x="6172200" y="1825625"/>
+            <a:ext cx="5181600" cy="4351338"/>
           </a:xfrm>
         </p:spPr>
         <p:txBody>
@@ -1247,7 +1248,7 @@
           <a:p>
             <a:fld id="{05A242A7-778D-4DD0-AB30-E04130399CFA}" type="datetimeFigureOut">
               <a:rPr lang="ko-KR" altLang="en-US" smtClean="0"/>
-              <a:t>2020-08-20</a:t>
+              <a:t>2020-09-02</a:t>
             </a:fld>
             <a:endParaRPr lang="ko-KR" altLang="en-US"/>
           </a:p>
@@ -1298,7 +1299,7 @@
     </p:spTree>
     <p:extLst>
       <p:ext uri="{BB962C8B-B14F-4D97-AF65-F5344CB8AC3E}">
-        <p14:creationId xmlns:p14="http://schemas.microsoft.com/office/powerpoint/2010/main" val="201081008"/>
+        <p14:creationId xmlns:p14="http://schemas.microsoft.com/office/powerpoint/2010/main" val="741629763"/>
       </p:ext>
     </p:extLst>
   </p:cSld>
@@ -1337,8 +1338,8 @@
         </p:nvSpPr>
         <p:spPr>
           <a:xfrm>
-            <a:off x="629841" y="365126"/>
-            <a:ext cx="7886700" cy="1325563"/>
+            <a:off x="839788" y="365125"/>
+            <a:ext cx="10515600" cy="1325563"/>
           </a:xfrm>
         </p:spPr>
         <p:txBody>
@@ -1365,8 +1366,8 @@
         </p:nvSpPr>
         <p:spPr>
           <a:xfrm>
-            <a:off x="629842" y="1681163"/>
-            <a:ext cx="3868340" cy="823912"/>
+            <a:off x="839788" y="1681163"/>
+            <a:ext cx="5157787" cy="823912"/>
           </a:xfrm>
         </p:spPr>
         <p:txBody>
@@ -1430,8 +1431,8 @@
         </p:nvSpPr>
         <p:spPr>
           <a:xfrm>
-            <a:off x="629842" y="2505075"/>
-            <a:ext cx="3868340" cy="3684588"/>
+            <a:off x="839788" y="2505075"/>
+            <a:ext cx="5157787" cy="3684588"/>
           </a:xfrm>
         </p:spPr>
         <p:txBody>
@@ -1487,8 +1488,8 @@
         </p:nvSpPr>
         <p:spPr>
           <a:xfrm>
-            <a:off x="4629150" y="1681163"/>
-            <a:ext cx="3887391" cy="823912"/>
+            <a:off x="6172200" y="1681163"/>
+            <a:ext cx="5183188" cy="823912"/>
           </a:xfrm>
         </p:spPr>
         <p:txBody>
@@ -1552,8 +1553,8 @@
         </p:nvSpPr>
         <p:spPr>
           <a:xfrm>
-            <a:off x="4629150" y="2505075"/>
-            <a:ext cx="3887391" cy="3684588"/>
+            <a:off x="6172200" y="2505075"/>
+            <a:ext cx="5183188" cy="3684588"/>
           </a:xfrm>
         </p:spPr>
         <p:txBody>
@@ -1614,7 +1615,7 @@
           <a:p>
             <a:fld id="{05A242A7-778D-4DD0-AB30-E04130399CFA}" type="datetimeFigureOut">
               <a:rPr lang="ko-KR" altLang="en-US" smtClean="0"/>
-              <a:t>2020-08-20</a:t>
+              <a:t>2020-09-02</a:t>
             </a:fld>
             <a:endParaRPr lang="ko-KR" altLang="en-US"/>
           </a:p>
@@ -1665,7 +1666,7 @@
     </p:spTree>
     <p:extLst>
       <p:ext uri="{BB962C8B-B14F-4D97-AF65-F5344CB8AC3E}">
-        <p14:creationId xmlns:p14="http://schemas.microsoft.com/office/powerpoint/2010/main" val="339877797"/>
+        <p14:creationId xmlns:p14="http://schemas.microsoft.com/office/powerpoint/2010/main" val="3209790104"/>
       </p:ext>
     </p:extLst>
   </p:cSld>
@@ -1732,7 +1733,7 @@
           <a:p>
             <a:fld id="{05A242A7-778D-4DD0-AB30-E04130399CFA}" type="datetimeFigureOut">
               <a:rPr lang="ko-KR" altLang="en-US" smtClean="0"/>
-              <a:t>2020-08-20</a:t>
+              <a:t>2020-09-02</a:t>
             </a:fld>
             <a:endParaRPr lang="ko-KR" altLang="en-US"/>
           </a:p>
@@ -1783,7 +1784,7 @@
     </p:spTree>
     <p:extLst>
       <p:ext uri="{BB962C8B-B14F-4D97-AF65-F5344CB8AC3E}">
-        <p14:creationId xmlns:p14="http://schemas.microsoft.com/office/powerpoint/2010/main" val="939975853"/>
+        <p14:creationId xmlns:p14="http://schemas.microsoft.com/office/powerpoint/2010/main" val="1631496148"/>
       </p:ext>
     </p:extLst>
   </p:cSld>
@@ -1827,7 +1828,7 @@
           <a:p>
             <a:fld id="{05A242A7-778D-4DD0-AB30-E04130399CFA}" type="datetimeFigureOut">
               <a:rPr lang="ko-KR" altLang="en-US" smtClean="0"/>
-              <a:t>2020-08-20</a:t>
+              <a:t>2020-09-02</a:t>
             </a:fld>
             <a:endParaRPr lang="ko-KR" altLang="en-US"/>
           </a:p>
@@ -1878,7 +1879,7 @@
     </p:spTree>
     <p:extLst>
       <p:ext uri="{BB962C8B-B14F-4D97-AF65-F5344CB8AC3E}">
-        <p14:creationId xmlns:p14="http://schemas.microsoft.com/office/powerpoint/2010/main" val="1805884015"/>
+        <p14:creationId xmlns:p14="http://schemas.microsoft.com/office/powerpoint/2010/main" val="3297951663"/>
       </p:ext>
     </p:extLst>
   </p:cSld>
@@ -1917,8 +1918,8 @@
         </p:nvSpPr>
         <p:spPr>
           <a:xfrm>
-            <a:off x="629841" y="457200"/>
-            <a:ext cx="2949178" cy="1600200"/>
+            <a:off x="839788" y="457200"/>
+            <a:ext cx="3932237" cy="1600200"/>
           </a:xfrm>
         </p:spPr>
         <p:txBody>
@@ -1949,8 +1950,8 @@
         </p:nvSpPr>
         <p:spPr>
           <a:xfrm>
-            <a:off x="3887391" y="987426"/>
-            <a:ext cx="4629150" cy="4873625"/>
+            <a:off x="5183188" y="987425"/>
+            <a:ext cx="6172200" cy="4873625"/>
           </a:xfrm>
         </p:spPr>
         <p:txBody>
@@ -2034,8 +2035,8 @@
         </p:nvSpPr>
         <p:spPr>
           <a:xfrm>
-            <a:off x="629841" y="2057400"/>
-            <a:ext cx="2949178" cy="3811588"/>
+            <a:off x="839788" y="2057400"/>
+            <a:ext cx="3932237" cy="3811588"/>
           </a:xfrm>
         </p:spPr>
         <p:txBody>
@@ -2104,7 +2105,7 @@
           <a:p>
             <a:fld id="{05A242A7-778D-4DD0-AB30-E04130399CFA}" type="datetimeFigureOut">
               <a:rPr lang="ko-KR" altLang="en-US" smtClean="0"/>
-              <a:t>2020-08-20</a:t>
+              <a:t>2020-09-02</a:t>
             </a:fld>
             <a:endParaRPr lang="ko-KR" altLang="en-US"/>
           </a:p>
@@ -2155,7 +2156,7 @@
     </p:spTree>
     <p:extLst>
       <p:ext uri="{BB962C8B-B14F-4D97-AF65-F5344CB8AC3E}">
-        <p14:creationId xmlns:p14="http://schemas.microsoft.com/office/powerpoint/2010/main" val="3274898607"/>
+        <p14:creationId xmlns:p14="http://schemas.microsoft.com/office/powerpoint/2010/main" val="3546713206"/>
       </p:ext>
     </p:extLst>
   </p:cSld>
@@ -2194,8 +2195,8 @@
         </p:nvSpPr>
         <p:spPr>
           <a:xfrm>
-            <a:off x="629841" y="457200"/>
-            <a:ext cx="2949178" cy="1600200"/>
+            <a:off x="839788" y="457200"/>
+            <a:ext cx="3932237" cy="1600200"/>
           </a:xfrm>
         </p:spPr>
         <p:txBody>
@@ -2226,8 +2227,8 @@
         </p:nvSpPr>
         <p:spPr>
           <a:xfrm>
-            <a:off x="3887391" y="987426"/>
-            <a:ext cx="4629150" cy="4873625"/>
+            <a:off x="5183188" y="987425"/>
+            <a:ext cx="6172200" cy="4873625"/>
           </a:xfrm>
         </p:spPr>
         <p:txBody>
@@ -2291,8 +2292,8 @@
         </p:nvSpPr>
         <p:spPr>
           <a:xfrm>
-            <a:off x="629841" y="2057400"/>
-            <a:ext cx="2949178" cy="3811588"/>
+            <a:off x="839788" y="2057400"/>
+            <a:ext cx="3932237" cy="3811588"/>
           </a:xfrm>
         </p:spPr>
         <p:txBody>
@@ -2361,7 +2362,7 @@
           <a:p>
             <a:fld id="{05A242A7-778D-4DD0-AB30-E04130399CFA}" type="datetimeFigureOut">
               <a:rPr lang="ko-KR" altLang="en-US" smtClean="0"/>
-              <a:t>2020-08-20</a:t>
+              <a:t>2020-09-02</a:t>
             </a:fld>
             <a:endParaRPr lang="ko-KR" altLang="en-US"/>
           </a:p>
@@ -2412,7 +2413,7 @@
     </p:spTree>
     <p:extLst>
       <p:ext uri="{BB962C8B-B14F-4D97-AF65-F5344CB8AC3E}">
-        <p14:creationId xmlns:p14="http://schemas.microsoft.com/office/powerpoint/2010/main" val="601490671"/>
+        <p14:creationId xmlns:p14="http://schemas.microsoft.com/office/powerpoint/2010/main" val="4103716546"/>
       </p:ext>
     </p:extLst>
   </p:cSld>
@@ -2456,8 +2457,8 @@
         </p:nvSpPr>
         <p:spPr>
           <a:xfrm>
-            <a:off x="628650" y="365126"/>
-            <a:ext cx="7886700" cy="1325563"/>
+            <a:off x="838200" y="365125"/>
+            <a:ext cx="10515600" cy="1325563"/>
           </a:xfrm>
           <a:prstGeom prst="rect">
             <a:avLst/>
@@ -2489,8 +2490,8 @@
         </p:nvSpPr>
         <p:spPr>
           <a:xfrm>
-            <a:off x="628650" y="1825625"/>
-            <a:ext cx="7886700" cy="4351338"/>
+            <a:off x="838200" y="1825625"/>
+            <a:ext cx="10515600" cy="4351338"/>
           </a:xfrm>
           <a:prstGeom prst="rect">
             <a:avLst/>
@@ -2551,8 +2552,8 @@
         </p:nvSpPr>
         <p:spPr>
           <a:xfrm>
-            <a:off x="628650" y="6356351"/>
-            <a:ext cx="2057400" cy="365125"/>
+            <a:off x="838200" y="6356350"/>
+            <a:ext cx="2743200" cy="365125"/>
           </a:xfrm>
           <a:prstGeom prst="rect">
             <a:avLst/>
@@ -2574,7 +2575,7 @@
           <a:p>
             <a:fld id="{05A242A7-778D-4DD0-AB30-E04130399CFA}" type="datetimeFigureOut">
               <a:rPr lang="ko-KR" altLang="en-US" smtClean="0"/>
-              <a:t>2020-08-20</a:t>
+              <a:t>2020-09-02</a:t>
             </a:fld>
             <a:endParaRPr lang="ko-KR" altLang="en-US"/>
           </a:p>
@@ -2592,8 +2593,8 @@
         </p:nvSpPr>
         <p:spPr>
           <a:xfrm>
-            <a:off x="3028950" y="6356351"/>
-            <a:ext cx="3086100" cy="365125"/>
+            <a:off x="4038600" y="6356350"/>
+            <a:ext cx="4114800" cy="365125"/>
           </a:xfrm>
           <a:prstGeom prst="rect">
             <a:avLst/>
@@ -2629,8 +2630,8 @@
         </p:nvSpPr>
         <p:spPr>
           <a:xfrm>
-            <a:off x="6457950" y="6356351"/>
-            <a:ext cx="2057400" cy="365125"/>
+            <a:off x="8610600" y="6356350"/>
+            <a:ext cx="2743200" cy="365125"/>
           </a:xfrm>
           <a:prstGeom prst="rect">
             <a:avLst/>
@@ -2661,23 +2662,23 @@
     </p:spTree>
     <p:extLst>
       <p:ext uri="{BB962C8B-B14F-4D97-AF65-F5344CB8AC3E}">
-        <p14:creationId xmlns:p14="http://schemas.microsoft.com/office/powerpoint/2010/main" val="434080491"/>
+        <p14:creationId xmlns:p14="http://schemas.microsoft.com/office/powerpoint/2010/main" val="1739040396"/>
       </p:ext>
     </p:extLst>
   </p:cSld>
   <p:clrMap bg1="lt1" tx1="dk1" bg2="lt2" tx2="dk2" accent1="accent1" accent2="accent2" accent3="accent3" accent4="accent4" accent5="accent5" accent6="accent6" hlink="hlink" folHlink="folHlink"/>
   <p:sldLayoutIdLst>
-    <p:sldLayoutId id="2147483661" r:id="rId1"/>
-    <p:sldLayoutId id="2147483662" r:id="rId2"/>
-    <p:sldLayoutId id="2147483663" r:id="rId3"/>
-    <p:sldLayoutId id="2147483664" r:id="rId4"/>
-    <p:sldLayoutId id="2147483665" r:id="rId5"/>
-    <p:sldLayoutId id="2147483666" r:id="rId6"/>
-    <p:sldLayoutId id="2147483667" r:id="rId7"/>
-    <p:sldLayoutId id="2147483668" r:id="rId8"/>
-    <p:sldLayoutId id="2147483669" r:id="rId9"/>
-    <p:sldLayoutId id="2147483670" r:id="rId10"/>
-    <p:sldLayoutId id="2147483671" r:id="rId11"/>
+    <p:sldLayoutId id="2147483673" r:id="rId1"/>
+    <p:sldLayoutId id="2147483674" r:id="rId2"/>
+    <p:sldLayoutId id="2147483675" r:id="rId3"/>
+    <p:sldLayoutId id="2147483676" r:id="rId4"/>
+    <p:sldLayoutId id="2147483677" r:id="rId5"/>
+    <p:sldLayoutId id="2147483678" r:id="rId6"/>
+    <p:sldLayoutId id="2147483679" r:id="rId7"/>
+    <p:sldLayoutId id="2147483680" r:id="rId8"/>
+    <p:sldLayoutId id="2147483681" r:id="rId9"/>
+    <p:sldLayoutId id="2147483682" r:id="rId10"/>
+    <p:sldLayoutId id="2147483683" r:id="rId11"/>
   </p:sldLayoutIdLst>
   <p:txStyles>
     <p:titleStyle>
@@ -2979,1591 +2980,6 @@
           <a:chExt cx="0" cy="0"/>
         </a:xfrm>
       </p:grpSpPr>
-      <p:sp>
-        <p:nvSpPr>
-          <p:cNvPr id="5" name="직사각형 4">
-            <a:extLst>
-              <a:ext uri="{FF2B5EF4-FFF2-40B4-BE49-F238E27FC236}">
-                <a16:creationId xmlns:a16="http://schemas.microsoft.com/office/drawing/2014/main" id="{00C950C5-617E-42CE-AA5A-D083A78D5FB2}"/>
-              </a:ext>
-            </a:extLst>
-          </p:cNvPr>
-          <p:cNvSpPr/>
-          <p:nvPr/>
-        </p:nvSpPr>
-        <p:spPr>
-          <a:xfrm>
-            <a:off x="1613648" y="3866360"/>
-            <a:ext cx="954741" cy="833058"/>
-          </a:xfrm>
-          <a:prstGeom prst="rect">
-            <a:avLst/>
-          </a:prstGeom>
-          <a:solidFill>
-            <a:schemeClr val="tx1"/>
-          </a:solidFill>
-        </p:spPr>
-        <p:style>
-          <a:lnRef idx="2">
-            <a:schemeClr val="accent1">
-              <a:shade val="50000"/>
-            </a:schemeClr>
-          </a:lnRef>
-          <a:fillRef idx="1">
-            <a:schemeClr val="accent1"/>
-          </a:fillRef>
-          <a:effectRef idx="0">
-            <a:schemeClr val="accent1"/>
-          </a:effectRef>
-          <a:fontRef idx="minor">
-            <a:schemeClr val="lt1"/>
-          </a:fontRef>
-        </p:style>
-        <p:txBody>
-          <a:bodyPr rtlCol="0" anchor="ctr"/>
-          <a:lstStyle/>
-          <a:p>
-            <a:pPr algn="ctr"/>
-            <a:r>
-              <a:rPr lang="ko-KR" altLang="en-US" sz="1350" dirty="0"/>
-              <a:t>아이템 </a:t>
-            </a:r>
-            <a:r>
-              <a:rPr lang="en-US" altLang="ko-KR" sz="1350" dirty="0"/>
-              <a:t>1</a:t>
-            </a:r>
-            <a:endParaRPr lang="ko-KR" altLang="en-US" sz="1350" dirty="0"/>
-          </a:p>
-        </p:txBody>
-      </p:sp>
-      <p:sp>
-        <p:nvSpPr>
-          <p:cNvPr id="7" name="직사각형 6">
-            <a:extLst>
-              <a:ext uri="{FF2B5EF4-FFF2-40B4-BE49-F238E27FC236}">
-                <a16:creationId xmlns:a16="http://schemas.microsoft.com/office/drawing/2014/main" id="{3218CFDB-B817-49F1-949F-2996ABE84A5F}"/>
-              </a:ext>
-            </a:extLst>
-          </p:cNvPr>
-          <p:cNvSpPr/>
-          <p:nvPr/>
-        </p:nvSpPr>
-        <p:spPr>
-          <a:xfrm>
-            <a:off x="5398995" y="3866360"/>
-            <a:ext cx="954741" cy="833058"/>
-          </a:xfrm>
-          <a:prstGeom prst="rect">
-            <a:avLst/>
-          </a:prstGeom>
-          <a:solidFill>
-            <a:schemeClr val="tx1"/>
-          </a:solidFill>
-        </p:spPr>
-        <p:style>
-          <a:lnRef idx="2">
-            <a:schemeClr val="accent1">
-              <a:shade val="50000"/>
-            </a:schemeClr>
-          </a:lnRef>
-          <a:fillRef idx="1">
-            <a:schemeClr val="accent1"/>
-          </a:fillRef>
-          <a:effectRef idx="0">
-            <a:schemeClr val="accent1"/>
-          </a:effectRef>
-          <a:fontRef idx="minor">
-            <a:schemeClr val="lt1"/>
-          </a:fontRef>
-        </p:style>
-        <p:txBody>
-          <a:bodyPr rtlCol="0" anchor="ctr"/>
-          <a:lstStyle/>
-          <a:p>
-            <a:pPr algn="ctr"/>
-            <a:r>
-              <a:rPr lang="ko-KR" altLang="en-US" sz="1350" dirty="0"/>
-              <a:t>아이템 </a:t>
-            </a:r>
-            <a:r>
-              <a:rPr lang="en-US" altLang="ko-KR" sz="1350" dirty="0"/>
-              <a:t>4</a:t>
-            </a:r>
-            <a:endParaRPr lang="ko-KR" altLang="en-US" sz="1350" dirty="0"/>
-          </a:p>
-        </p:txBody>
-      </p:sp>
-      <p:sp>
-        <p:nvSpPr>
-          <p:cNvPr id="9" name="직사각형 8">
-            <a:extLst>
-              <a:ext uri="{FF2B5EF4-FFF2-40B4-BE49-F238E27FC236}">
-                <a16:creationId xmlns:a16="http://schemas.microsoft.com/office/drawing/2014/main" id="{D2BC282C-64F3-493D-906C-4CAA2BCBA7B1}"/>
-              </a:ext>
-            </a:extLst>
-          </p:cNvPr>
-          <p:cNvSpPr/>
-          <p:nvPr/>
-        </p:nvSpPr>
-        <p:spPr>
-          <a:xfrm>
-            <a:off x="4155142" y="3866360"/>
-            <a:ext cx="954741" cy="833058"/>
-          </a:xfrm>
-          <a:prstGeom prst="rect">
-            <a:avLst/>
-          </a:prstGeom>
-          <a:solidFill>
-            <a:schemeClr val="tx1"/>
-          </a:solidFill>
-        </p:spPr>
-        <p:style>
-          <a:lnRef idx="2">
-            <a:schemeClr val="accent1">
-              <a:shade val="50000"/>
-            </a:schemeClr>
-          </a:lnRef>
-          <a:fillRef idx="1">
-            <a:schemeClr val="accent1"/>
-          </a:fillRef>
-          <a:effectRef idx="0">
-            <a:schemeClr val="accent1"/>
-          </a:effectRef>
-          <a:fontRef idx="minor">
-            <a:schemeClr val="lt1"/>
-          </a:fontRef>
-        </p:style>
-        <p:txBody>
-          <a:bodyPr rtlCol="0" anchor="ctr"/>
-          <a:lstStyle/>
-          <a:p>
-            <a:pPr algn="ctr"/>
-            <a:r>
-              <a:rPr lang="ko-KR" altLang="en-US" sz="1350" dirty="0"/>
-              <a:t>아이템 </a:t>
-            </a:r>
-            <a:r>
-              <a:rPr lang="en-US" altLang="ko-KR" sz="1350" dirty="0"/>
-              <a:t>3</a:t>
-            </a:r>
-            <a:endParaRPr lang="ko-KR" altLang="en-US" sz="1350" dirty="0"/>
-          </a:p>
-        </p:txBody>
-      </p:sp>
-      <p:sp>
-        <p:nvSpPr>
-          <p:cNvPr id="11" name="직사각형 10">
-            <a:extLst>
-              <a:ext uri="{FF2B5EF4-FFF2-40B4-BE49-F238E27FC236}">
-                <a16:creationId xmlns:a16="http://schemas.microsoft.com/office/drawing/2014/main" id="{0300E230-268C-4BCB-8DBA-9DF48298D34C}"/>
-              </a:ext>
-            </a:extLst>
-          </p:cNvPr>
-          <p:cNvSpPr/>
-          <p:nvPr/>
-        </p:nvSpPr>
-        <p:spPr>
-          <a:xfrm>
-            <a:off x="2911289" y="3866360"/>
-            <a:ext cx="954741" cy="833058"/>
-          </a:xfrm>
-          <a:prstGeom prst="rect">
-            <a:avLst/>
-          </a:prstGeom>
-          <a:solidFill>
-            <a:schemeClr val="tx1"/>
-          </a:solidFill>
-        </p:spPr>
-        <p:style>
-          <a:lnRef idx="2">
-            <a:schemeClr val="accent1">
-              <a:shade val="50000"/>
-            </a:schemeClr>
-          </a:lnRef>
-          <a:fillRef idx="1">
-            <a:schemeClr val="accent1"/>
-          </a:fillRef>
-          <a:effectRef idx="0">
-            <a:schemeClr val="accent1"/>
-          </a:effectRef>
-          <a:fontRef idx="minor">
-            <a:schemeClr val="lt1"/>
-          </a:fontRef>
-        </p:style>
-        <p:txBody>
-          <a:bodyPr rtlCol="0" anchor="ctr"/>
-          <a:lstStyle/>
-          <a:p>
-            <a:pPr algn="ctr"/>
-            <a:r>
-              <a:rPr lang="ko-KR" altLang="en-US" sz="1350" dirty="0"/>
-              <a:t>아이템 </a:t>
-            </a:r>
-            <a:r>
-              <a:rPr lang="en-US" altLang="ko-KR" sz="1350" dirty="0"/>
-              <a:t>2</a:t>
-            </a:r>
-            <a:endParaRPr lang="ko-KR" altLang="en-US" sz="1350" dirty="0"/>
-          </a:p>
-        </p:txBody>
-      </p:sp>
-      <p:sp>
-        <p:nvSpPr>
-          <p:cNvPr id="13" name="직사각형 12">
-            <a:extLst>
-              <a:ext uri="{FF2B5EF4-FFF2-40B4-BE49-F238E27FC236}">
-                <a16:creationId xmlns:a16="http://schemas.microsoft.com/office/drawing/2014/main" id="{05D83327-3D6B-4BA0-A282-C9381173409A}"/>
-              </a:ext>
-            </a:extLst>
-          </p:cNvPr>
-          <p:cNvSpPr/>
-          <p:nvPr/>
-        </p:nvSpPr>
-        <p:spPr>
-          <a:xfrm>
-            <a:off x="1613648" y="4955571"/>
-            <a:ext cx="954741" cy="833058"/>
-          </a:xfrm>
-          <a:prstGeom prst="rect">
-            <a:avLst/>
-          </a:prstGeom>
-          <a:solidFill>
-            <a:schemeClr val="tx1"/>
-          </a:solidFill>
-        </p:spPr>
-        <p:style>
-          <a:lnRef idx="2">
-            <a:schemeClr val="accent1">
-              <a:shade val="50000"/>
-            </a:schemeClr>
-          </a:lnRef>
-          <a:fillRef idx="1">
-            <a:schemeClr val="accent1"/>
-          </a:fillRef>
-          <a:effectRef idx="0">
-            <a:schemeClr val="accent1"/>
-          </a:effectRef>
-          <a:fontRef idx="minor">
-            <a:schemeClr val="lt1"/>
-          </a:fontRef>
-        </p:style>
-        <p:txBody>
-          <a:bodyPr rtlCol="0" anchor="ctr"/>
-          <a:lstStyle/>
-          <a:p>
-            <a:pPr algn="ctr"/>
-            <a:r>
-              <a:rPr lang="ko-KR" altLang="en-US" sz="1350" dirty="0"/>
-              <a:t>아이템 </a:t>
-            </a:r>
-            <a:r>
-              <a:rPr lang="en-US" altLang="ko-KR" sz="1350" dirty="0"/>
-              <a:t>5</a:t>
-            </a:r>
-            <a:endParaRPr lang="ko-KR" altLang="en-US" sz="1350" dirty="0"/>
-          </a:p>
-        </p:txBody>
-      </p:sp>
-      <p:sp>
-        <p:nvSpPr>
-          <p:cNvPr id="21" name="TextBox 20">
-            <a:extLst>
-              <a:ext uri="{FF2B5EF4-FFF2-40B4-BE49-F238E27FC236}">
-                <a16:creationId xmlns:a16="http://schemas.microsoft.com/office/drawing/2014/main" id="{5E9A9FF8-9C2D-4751-8E37-8DE0DAF34DCE}"/>
-              </a:ext>
-            </a:extLst>
-          </p:cNvPr>
-          <p:cNvSpPr txBox="1"/>
-          <p:nvPr/>
-        </p:nvSpPr>
-        <p:spPr>
-          <a:xfrm>
-            <a:off x="1613647" y="1668796"/>
-            <a:ext cx="3106271" cy="300082"/>
-          </a:xfrm>
-          <a:prstGeom prst="rect">
-            <a:avLst/>
-          </a:prstGeom>
-          <a:noFill/>
-        </p:spPr>
-        <p:txBody>
-          <a:bodyPr wrap="square" rtlCol="0">
-            <a:spAutoFit/>
-          </a:bodyPr>
-          <a:lstStyle/>
-          <a:p>
-            <a:r>
-              <a:rPr lang="ko-KR" altLang="en-US" sz="1350" dirty="0"/>
-              <a:t>쇼핑 아이템 추가 화면</a:t>
-            </a:r>
-            <a:r>
-              <a:rPr lang="en-US" altLang="ko-KR" sz="1350" dirty="0"/>
-              <a:t>(</a:t>
-            </a:r>
-            <a:r>
-              <a:rPr lang="ko-KR" altLang="en-US" sz="1350" dirty="0"/>
-              <a:t>판매자 입장</a:t>
-            </a:r>
-            <a:r>
-              <a:rPr lang="en-US" altLang="ko-KR" sz="1350" dirty="0"/>
-              <a:t>)</a:t>
-            </a:r>
-            <a:endParaRPr lang="ko-KR" altLang="en-US" sz="1350" dirty="0"/>
-          </a:p>
-        </p:txBody>
-      </p:sp>
-      <p:sp>
-        <p:nvSpPr>
-          <p:cNvPr id="24" name="직사각형 23">
-            <a:extLst>
-              <a:ext uri="{FF2B5EF4-FFF2-40B4-BE49-F238E27FC236}">
-                <a16:creationId xmlns:a16="http://schemas.microsoft.com/office/drawing/2014/main" id="{4645C03F-BF3F-43E1-825D-7BA5721010EC}"/>
-              </a:ext>
-            </a:extLst>
-          </p:cNvPr>
-          <p:cNvSpPr/>
-          <p:nvPr/>
-        </p:nvSpPr>
-        <p:spPr>
-          <a:xfrm>
-            <a:off x="1613647" y="2065121"/>
-            <a:ext cx="954741" cy="833058"/>
-          </a:xfrm>
-          <a:prstGeom prst="rect">
-            <a:avLst/>
-          </a:prstGeom>
-          <a:solidFill>
-            <a:schemeClr val="tx1"/>
-          </a:solidFill>
-        </p:spPr>
-        <p:style>
-          <a:lnRef idx="2">
-            <a:schemeClr val="accent1">
-              <a:shade val="50000"/>
-            </a:schemeClr>
-          </a:lnRef>
-          <a:fillRef idx="1">
-            <a:schemeClr val="accent1"/>
-          </a:fillRef>
-          <a:effectRef idx="0">
-            <a:schemeClr val="accent1"/>
-          </a:effectRef>
-          <a:fontRef idx="minor">
-            <a:schemeClr val="lt1"/>
-          </a:fontRef>
-        </p:style>
-        <p:txBody>
-          <a:bodyPr rtlCol="0" anchor="ctr"/>
-          <a:lstStyle/>
-          <a:p>
-            <a:pPr algn="ctr"/>
-            <a:r>
-              <a:rPr lang="ko-KR" altLang="en-US" sz="1350" dirty="0"/>
-              <a:t>아이템 </a:t>
-            </a:r>
-            <a:r>
-              <a:rPr lang="en-US" altLang="ko-KR" sz="1350" dirty="0"/>
-              <a:t>5</a:t>
-            </a:r>
-            <a:endParaRPr lang="ko-KR" altLang="en-US" sz="1350" dirty="0"/>
-          </a:p>
-        </p:txBody>
-      </p:sp>
-      <p:sp>
-        <p:nvSpPr>
-          <p:cNvPr id="27" name="직사각형 26">
-            <a:extLst>
-              <a:ext uri="{FF2B5EF4-FFF2-40B4-BE49-F238E27FC236}">
-                <a16:creationId xmlns:a16="http://schemas.microsoft.com/office/drawing/2014/main" id="{9F64457A-AAFC-403A-AF64-D55A6F986EC6}"/>
-              </a:ext>
-            </a:extLst>
-          </p:cNvPr>
-          <p:cNvSpPr/>
-          <p:nvPr/>
-        </p:nvSpPr>
-        <p:spPr>
-          <a:xfrm>
-            <a:off x="2877671" y="2065121"/>
-            <a:ext cx="1479177" cy="385606"/>
-          </a:xfrm>
-          <a:prstGeom prst="rect">
-            <a:avLst/>
-          </a:prstGeom>
-          <a:solidFill>
-            <a:schemeClr val="bg1"/>
-          </a:solidFill>
-          <a:ln>
-            <a:solidFill>
-              <a:schemeClr val="tx1"/>
-            </a:solidFill>
-          </a:ln>
-        </p:spPr>
-        <p:style>
-          <a:lnRef idx="2">
-            <a:schemeClr val="accent1">
-              <a:shade val="50000"/>
-            </a:schemeClr>
-          </a:lnRef>
-          <a:fillRef idx="1">
-            <a:schemeClr val="accent1"/>
-          </a:fillRef>
-          <a:effectRef idx="0">
-            <a:schemeClr val="accent1"/>
-          </a:effectRef>
-          <a:fontRef idx="minor">
-            <a:schemeClr val="lt1"/>
-          </a:fontRef>
-        </p:style>
-        <p:txBody>
-          <a:bodyPr rtlCol="0" anchor="ctr"/>
-          <a:lstStyle/>
-          <a:p>
-            <a:pPr algn="ctr"/>
-            <a:r>
-              <a:rPr lang="ko-KR" altLang="en-US" sz="1350" dirty="0">
-                <a:solidFill>
-                  <a:schemeClr val="tx1"/>
-                </a:solidFill>
-              </a:rPr>
-              <a:t>아이템 이름</a:t>
-            </a:r>
-          </a:p>
-        </p:txBody>
-      </p:sp>
-      <p:sp>
-        <p:nvSpPr>
-          <p:cNvPr id="28" name="직사각형 27">
-            <a:extLst>
-              <a:ext uri="{FF2B5EF4-FFF2-40B4-BE49-F238E27FC236}">
-                <a16:creationId xmlns:a16="http://schemas.microsoft.com/office/drawing/2014/main" id="{F916FD7A-B68C-4EB7-ABAB-9CCEE844AB30}"/>
-              </a:ext>
-            </a:extLst>
-          </p:cNvPr>
-          <p:cNvSpPr/>
-          <p:nvPr/>
-        </p:nvSpPr>
-        <p:spPr>
-          <a:xfrm>
-            <a:off x="2877670" y="2569415"/>
-            <a:ext cx="1479177" cy="328764"/>
-          </a:xfrm>
-          <a:prstGeom prst="rect">
-            <a:avLst/>
-          </a:prstGeom>
-          <a:solidFill>
-            <a:schemeClr val="bg1"/>
-          </a:solidFill>
-          <a:ln>
-            <a:solidFill>
-              <a:schemeClr val="tx1"/>
-            </a:solidFill>
-          </a:ln>
-        </p:spPr>
-        <p:style>
-          <a:lnRef idx="2">
-            <a:schemeClr val="accent1">
-              <a:shade val="50000"/>
-            </a:schemeClr>
-          </a:lnRef>
-          <a:fillRef idx="1">
-            <a:schemeClr val="accent1"/>
-          </a:fillRef>
-          <a:effectRef idx="0">
-            <a:schemeClr val="accent1"/>
-          </a:effectRef>
-          <a:fontRef idx="minor">
-            <a:schemeClr val="lt1"/>
-          </a:fontRef>
-        </p:style>
-        <p:txBody>
-          <a:bodyPr rtlCol="0" anchor="ctr"/>
-          <a:lstStyle/>
-          <a:p>
-            <a:pPr algn="ctr"/>
-            <a:r>
-              <a:rPr lang="ko-KR" altLang="en-US" sz="1350" dirty="0">
-                <a:solidFill>
-                  <a:schemeClr val="tx1"/>
-                </a:solidFill>
-              </a:rPr>
-              <a:t>가격</a:t>
-            </a:r>
-          </a:p>
-        </p:txBody>
-      </p:sp>
-      <p:sp>
-        <p:nvSpPr>
-          <p:cNvPr id="30" name="직사각형 29">
-            <a:extLst>
-              <a:ext uri="{FF2B5EF4-FFF2-40B4-BE49-F238E27FC236}">
-                <a16:creationId xmlns:a16="http://schemas.microsoft.com/office/drawing/2014/main" id="{EAEE8106-5F06-4B59-B46C-3669F39DBA4E}"/>
-              </a:ext>
-            </a:extLst>
-          </p:cNvPr>
-          <p:cNvSpPr/>
-          <p:nvPr/>
-        </p:nvSpPr>
-        <p:spPr>
-          <a:xfrm>
-            <a:off x="4632512" y="2065121"/>
-            <a:ext cx="954741" cy="833058"/>
-          </a:xfrm>
-          <a:prstGeom prst="rect">
-            <a:avLst/>
-          </a:prstGeom>
-          <a:solidFill>
-            <a:schemeClr val="accent2"/>
-          </a:solidFill>
-        </p:spPr>
-        <p:style>
-          <a:lnRef idx="2">
-            <a:schemeClr val="accent1">
-              <a:shade val="50000"/>
-            </a:schemeClr>
-          </a:lnRef>
-          <a:fillRef idx="1">
-            <a:schemeClr val="accent1"/>
-          </a:fillRef>
-          <a:effectRef idx="0">
-            <a:schemeClr val="accent1"/>
-          </a:effectRef>
-          <a:fontRef idx="minor">
-            <a:schemeClr val="lt1"/>
-          </a:fontRef>
-        </p:style>
-        <p:txBody>
-          <a:bodyPr rtlCol="0" anchor="ctr"/>
-          <a:lstStyle/>
-          <a:p>
-            <a:pPr algn="ctr"/>
-            <a:r>
-              <a:rPr lang="ko-KR" altLang="en-US" sz="1350"/>
-              <a:t>등록하기</a:t>
-            </a:r>
-            <a:endParaRPr lang="ko-KR" altLang="en-US" sz="1350" dirty="0"/>
-          </a:p>
-        </p:txBody>
-      </p:sp>
-      <p:sp>
-        <p:nvSpPr>
-          <p:cNvPr id="32" name="TextBox 31">
-            <a:extLst>
-              <a:ext uri="{FF2B5EF4-FFF2-40B4-BE49-F238E27FC236}">
-                <a16:creationId xmlns:a16="http://schemas.microsoft.com/office/drawing/2014/main" id="{C71EB447-D042-4F83-9BBF-9548B94043D4}"/>
-              </a:ext>
-            </a:extLst>
-          </p:cNvPr>
-          <p:cNvSpPr txBox="1"/>
-          <p:nvPr/>
-        </p:nvSpPr>
-        <p:spPr>
-          <a:xfrm>
-            <a:off x="1553134" y="3530880"/>
-            <a:ext cx="2649071" cy="300082"/>
-          </a:xfrm>
-          <a:prstGeom prst="rect">
-            <a:avLst/>
-          </a:prstGeom>
-          <a:noFill/>
-        </p:spPr>
-        <p:txBody>
-          <a:bodyPr wrap="square" rtlCol="0">
-            <a:spAutoFit/>
-          </a:bodyPr>
-          <a:lstStyle/>
-          <a:p>
-            <a:r>
-              <a:rPr lang="ko-KR" altLang="en-US" sz="1350" dirty="0"/>
-              <a:t>구매화면</a:t>
-            </a:r>
-            <a:r>
-              <a:rPr lang="en-US" altLang="ko-KR" sz="1350" dirty="0"/>
-              <a:t>(</a:t>
-            </a:r>
-            <a:r>
-              <a:rPr lang="ko-KR" altLang="en-US" sz="1350" dirty="0"/>
-              <a:t>구매자 입장</a:t>
-            </a:r>
-            <a:r>
-              <a:rPr lang="en-US" altLang="ko-KR" sz="1350" dirty="0"/>
-              <a:t>)</a:t>
-            </a:r>
-            <a:endParaRPr lang="ko-KR" altLang="en-US" sz="1350" dirty="0"/>
-          </a:p>
-        </p:txBody>
-      </p:sp>
-    </p:spTree>
-    <p:extLst>
-      <p:ext uri="{BB962C8B-B14F-4D97-AF65-F5344CB8AC3E}">
-        <p14:creationId xmlns:p14="http://schemas.microsoft.com/office/powerpoint/2010/main" val="453012936"/>
-      </p:ext>
-    </p:extLst>
-  </p:cSld>
-  <p:clrMapOvr>
-    <a:masterClrMapping/>
-  </p:clrMapOvr>
-</p:sld>
-</file>
-
-<file path=ppt/slides/slide2.xml><?xml version="1.0" encoding="utf-8"?>
-<p:sld xmlns:a="http://schemas.openxmlformats.org/drawingml/2006/main" xmlns:r="http://schemas.openxmlformats.org/officeDocument/2006/relationships" xmlns:p="http://schemas.openxmlformats.org/presentationml/2006/main">
-  <p:cSld>
-    <p:spTree>
-      <p:nvGrpSpPr>
-        <p:cNvPr id="1" name=""/>
-        <p:cNvGrpSpPr/>
-        <p:nvPr/>
-      </p:nvGrpSpPr>
-      <p:grpSpPr>
-        <a:xfrm>
-          <a:off x="0" y="0"/>
-          <a:ext cx="0" cy="0"/>
-          <a:chOff x="0" y="0"/>
-          <a:chExt cx="0" cy="0"/>
-        </a:xfrm>
-      </p:grpSpPr>
-      <p:sp>
-        <p:nvSpPr>
-          <p:cNvPr id="4" name="TextBox 3">
-            <a:extLst>
-              <a:ext uri="{FF2B5EF4-FFF2-40B4-BE49-F238E27FC236}">
-                <a16:creationId xmlns:a16="http://schemas.microsoft.com/office/drawing/2014/main" id="{900B75EA-08C2-4DC6-BE77-1B03AB4B2C71}"/>
-              </a:ext>
-            </a:extLst>
-          </p:cNvPr>
-          <p:cNvSpPr txBox="1"/>
-          <p:nvPr/>
-        </p:nvSpPr>
-        <p:spPr>
-          <a:xfrm>
-            <a:off x="1835524" y="1670797"/>
-            <a:ext cx="1983441" cy="300082"/>
-          </a:xfrm>
-          <a:prstGeom prst="rect">
-            <a:avLst/>
-          </a:prstGeom>
-          <a:noFill/>
-        </p:spPr>
-        <p:txBody>
-          <a:bodyPr wrap="square" rtlCol="0">
-            <a:spAutoFit/>
-          </a:bodyPr>
-          <a:lstStyle/>
-          <a:p>
-            <a:r>
-              <a:rPr lang="ko-KR" altLang="en-US" sz="1350"/>
-              <a:t>포인트 충전 화면</a:t>
-            </a:r>
-          </a:p>
-        </p:txBody>
-      </p:sp>
-      <p:sp>
-        <p:nvSpPr>
-          <p:cNvPr id="5" name="TextBox 4">
-            <a:extLst>
-              <a:ext uri="{FF2B5EF4-FFF2-40B4-BE49-F238E27FC236}">
-                <a16:creationId xmlns:a16="http://schemas.microsoft.com/office/drawing/2014/main" id="{FF1617DE-74FD-4F49-91F1-263D38CCAC2A}"/>
-              </a:ext>
-            </a:extLst>
-          </p:cNvPr>
-          <p:cNvSpPr txBox="1"/>
-          <p:nvPr/>
-        </p:nvSpPr>
-        <p:spPr>
-          <a:xfrm>
-            <a:off x="1835524" y="2571750"/>
-            <a:ext cx="1660712" cy="300082"/>
-          </a:xfrm>
-          <a:prstGeom prst="rect">
-            <a:avLst/>
-          </a:prstGeom>
-          <a:noFill/>
-        </p:spPr>
-        <p:txBody>
-          <a:bodyPr wrap="square" rtlCol="0">
-            <a:spAutoFit/>
-          </a:bodyPr>
-          <a:lstStyle/>
-          <a:p>
-            <a:r>
-              <a:rPr lang="ko-KR" altLang="en-US" sz="1350" dirty="0"/>
-              <a:t>포인트</a:t>
-            </a:r>
-            <a:r>
-              <a:rPr lang="en-US" altLang="ko-KR" sz="1350" dirty="0"/>
-              <a:t>: 100000P</a:t>
-            </a:r>
-            <a:endParaRPr lang="ko-KR" altLang="en-US" sz="1350" dirty="0"/>
-          </a:p>
-        </p:txBody>
-      </p:sp>
-      <p:sp>
-        <p:nvSpPr>
-          <p:cNvPr id="8" name="직사각형 7">
-            <a:extLst>
-              <a:ext uri="{FF2B5EF4-FFF2-40B4-BE49-F238E27FC236}">
-                <a16:creationId xmlns:a16="http://schemas.microsoft.com/office/drawing/2014/main" id="{0762E7E6-8196-4013-90A2-E720B2D5B2D6}"/>
-              </a:ext>
-            </a:extLst>
-          </p:cNvPr>
-          <p:cNvSpPr/>
-          <p:nvPr/>
-        </p:nvSpPr>
-        <p:spPr>
-          <a:xfrm>
-            <a:off x="4840942" y="2480467"/>
-            <a:ext cx="578224" cy="459565"/>
-          </a:xfrm>
-          <a:prstGeom prst="rect">
-            <a:avLst/>
-          </a:prstGeom>
-          <a:solidFill>
-            <a:schemeClr val="tx1"/>
-          </a:solidFill>
-        </p:spPr>
-        <p:style>
-          <a:lnRef idx="2">
-            <a:schemeClr val="accent1">
-              <a:shade val="50000"/>
-            </a:schemeClr>
-          </a:lnRef>
-          <a:fillRef idx="1">
-            <a:schemeClr val="accent1"/>
-          </a:fillRef>
-          <a:effectRef idx="0">
-            <a:schemeClr val="accent1"/>
-          </a:effectRef>
-          <a:fontRef idx="minor">
-            <a:schemeClr val="lt1"/>
-          </a:fontRef>
-        </p:style>
-        <p:txBody>
-          <a:bodyPr rtlCol="0" anchor="ctr"/>
-          <a:lstStyle/>
-          <a:p>
-            <a:pPr algn="ctr"/>
-            <a:r>
-              <a:rPr lang="ko-KR" altLang="en-US" sz="1350" dirty="0"/>
-              <a:t>충전</a:t>
-            </a:r>
-          </a:p>
-        </p:txBody>
-      </p:sp>
-      <p:sp>
-        <p:nvSpPr>
-          <p:cNvPr id="11" name="직사각형 10">
-            <a:extLst>
-              <a:ext uri="{FF2B5EF4-FFF2-40B4-BE49-F238E27FC236}">
-                <a16:creationId xmlns:a16="http://schemas.microsoft.com/office/drawing/2014/main" id="{661CC308-5782-4DDB-BD6D-A48C34F215E7}"/>
-              </a:ext>
-            </a:extLst>
-          </p:cNvPr>
-          <p:cNvSpPr/>
-          <p:nvPr/>
-        </p:nvSpPr>
-        <p:spPr>
-          <a:xfrm>
-            <a:off x="3677771" y="2472231"/>
-            <a:ext cx="1021976" cy="459565"/>
-          </a:xfrm>
-          <a:prstGeom prst="rect">
-            <a:avLst/>
-          </a:prstGeom>
-          <a:solidFill>
-            <a:schemeClr val="bg1"/>
-          </a:solidFill>
-          <a:ln>
-            <a:solidFill>
-              <a:schemeClr val="tx1"/>
-            </a:solidFill>
-          </a:ln>
-        </p:spPr>
-        <p:style>
-          <a:lnRef idx="2">
-            <a:schemeClr val="accent1">
-              <a:shade val="50000"/>
-            </a:schemeClr>
-          </a:lnRef>
-          <a:fillRef idx="1">
-            <a:schemeClr val="accent1"/>
-          </a:fillRef>
-          <a:effectRef idx="0">
-            <a:schemeClr val="accent1"/>
-          </a:effectRef>
-          <a:fontRef idx="minor">
-            <a:schemeClr val="lt1"/>
-          </a:fontRef>
-        </p:style>
-        <p:txBody>
-          <a:bodyPr rtlCol="0" anchor="ctr"/>
-          <a:lstStyle/>
-          <a:p>
-            <a:pPr algn="ctr"/>
-            <a:r>
-              <a:rPr lang="en-US" altLang="ko-KR" sz="1350" dirty="0">
-                <a:solidFill>
-                  <a:schemeClr val="tx1"/>
-                </a:solidFill>
-              </a:rPr>
-              <a:t>1234</a:t>
-            </a:r>
-            <a:endParaRPr lang="ko-KR" altLang="en-US" sz="1350" dirty="0">
-              <a:solidFill>
-                <a:schemeClr val="tx1"/>
-              </a:solidFill>
-            </a:endParaRPr>
-          </a:p>
-        </p:txBody>
-      </p:sp>
-      <p:sp>
-        <p:nvSpPr>
-          <p:cNvPr id="12" name="TextBox 11">
-            <a:extLst>
-              <a:ext uri="{FF2B5EF4-FFF2-40B4-BE49-F238E27FC236}">
-                <a16:creationId xmlns:a16="http://schemas.microsoft.com/office/drawing/2014/main" id="{E399BC96-D4F0-4209-AD55-0B21D70B08E2}"/>
-              </a:ext>
-            </a:extLst>
-          </p:cNvPr>
-          <p:cNvSpPr txBox="1"/>
-          <p:nvPr/>
-        </p:nvSpPr>
-        <p:spPr>
-          <a:xfrm>
-            <a:off x="1539689" y="3849220"/>
-            <a:ext cx="4350123" cy="300082"/>
-          </a:xfrm>
-          <a:prstGeom prst="rect">
-            <a:avLst/>
-          </a:prstGeom>
-          <a:noFill/>
-        </p:spPr>
-        <p:txBody>
-          <a:bodyPr wrap="square" rtlCol="0">
-            <a:spAutoFit/>
-          </a:bodyPr>
-          <a:lstStyle/>
-          <a:p>
-            <a:r>
-              <a:rPr lang="en-US" altLang="ko-KR" sz="1350" dirty="0"/>
-              <a:t>- </a:t>
-            </a:r>
-            <a:r>
-              <a:rPr lang="ko-KR" altLang="en-US" sz="1350" dirty="0"/>
-              <a:t>충전 버튼을 누르면 인풋의 값만큼 포인트가 충전 됨</a:t>
-            </a:r>
-          </a:p>
-        </p:txBody>
-      </p:sp>
-    </p:spTree>
-    <p:extLst>
-      <p:ext uri="{BB962C8B-B14F-4D97-AF65-F5344CB8AC3E}">
-        <p14:creationId xmlns:p14="http://schemas.microsoft.com/office/powerpoint/2010/main" val="2397381718"/>
-      </p:ext>
-    </p:extLst>
-  </p:cSld>
-  <p:clrMapOvr>
-    <a:masterClrMapping/>
-  </p:clrMapOvr>
-</p:sld>
-</file>
-
-<file path=ppt/slides/slide3.xml><?xml version="1.0" encoding="utf-8"?>
-<p:sld xmlns:a="http://schemas.openxmlformats.org/drawingml/2006/main" xmlns:r="http://schemas.openxmlformats.org/officeDocument/2006/relationships" xmlns:p="http://schemas.openxmlformats.org/presentationml/2006/main">
-  <p:cSld>
-    <p:spTree>
-      <p:nvGrpSpPr>
-        <p:cNvPr id="1" name=""/>
-        <p:cNvGrpSpPr/>
-        <p:nvPr/>
-      </p:nvGrpSpPr>
-      <p:grpSpPr>
-        <a:xfrm>
-          <a:off x="0" y="0"/>
-          <a:ext cx="0" cy="0"/>
-          <a:chOff x="0" y="0"/>
-          <a:chExt cx="0" cy="0"/>
-        </a:xfrm>
-      </p:grpSpPr>
-      <p:sp>
-        <p:nvSpPr>
-          <p:cNvPr id="4" name="TextBox 3">
-            <a:extLst>
-              <a:ext uri="{FF2B5EF4-FFF2-40B4-BE49-F238E27FC236}">
-                <a16:creationId xmlns:a16="http://schemas.microsoft.com/office/drawing/2014/main" id="{71150257-986A-422D-A60E-D6FEA3F0605F}"/>
-              </a:ext>
-            </a:extLst>
-          </p:cNvPr>
-          <p:cNvSpPr txBox="1"/>
-          <p:nvPr/>
-        </p:nvSpPr>
-        <p:spPr>
-          <a:xfrm>
-            <a:off x="1620371" y="1630456"/>
-            <a:ext cx="2649071" cy="300082"/>
-          </a:xfrm>
-          <a:prstGeom prst="rect">
-            <a:avLst/>
-          </a:prstGeom>
-          <a:noFill/>
-        </p:spPr>
-        <p:txBody>
-          <a:bodyPr wrap="square" rtlCol="0">
-            <a:spAutoFit/>
-          </a:bodyPr>
-          <a:lstStyle/>
-          <a:p>
-            <a:r>
-              <a:rPr lang="ko-KR" altLang="en-US" sz="1350" dirty="0"/>
-              <a:t>구매화면</a:t>
-            </a:r>
-            <a:r>
-              <a:rPr lang="en-US" altLang="ko-KR" sz="1350" dirty="0"/>
-              <a:t>(</a:t>
-            </a:r>
-            <a:r>
-              <a:rPr lang="ko-KR" altLang="en-US" sz="1350" dirty="0"/>
-              <a:t>구매자 입장</a:t>
-            </a:r>
-            <a:r>
-              <a:rPr lang="en-US" altLang="ko-KR" sz="1350" dirty="0"/>
-              <a:t>)</a:t>
-            </a:r>
-            <a:endParaRPr lang="ko-KR" altLang="en-US" sz="1350" dirty="0"/>
-          </a:p>
-        </p:txBody>
-      </p:sp>
-      <p:sp>
-        <p:nvSpPr>
-          <p:cNvPr id="5" name="직사각형 4">
-            <a:extLst>
-              <a:ext uri="{FF2B5EF4-FFF2-40B4-BE49-F238E27FC236}">
-                <a16:creationId xmlns:a16="http://schemas.microsoft.com/office/drawing/2014/main" id="{C2C64EDF-6BB6-46AF-8AC0-F8419DC40732}"/>
-              </a:ext>
-            </a:extLst>
-          </p:cNvPr>
-          <p:cNvSpPr/>
-          <p:nvPr/>
-        </p:nvSpPr>
-        <p:spPr>
-          <a:xfrm>
-            <a:off x="1613648" y="2212371"/>
-            <a:ext cx="954741" cy="833058"/>
-          </a:xfrm>
-          <a:prstGeom prst="rect">
-            <a:avLst/>
-          </a:prstGeom>
-          <a:solidFill>
-            <a:schemeClr val="tx1"/>
-          </a:solidFill>
-        </p:spPr>
-        <p:style>
-          <a:lnRef idx="2">
-            <a:schemeClr val="accent1">
-              <a:shade val="50000"/>
-            </a:schemeClr>
-          </a:lnRef>
-          <a:fillRef idx="1">
-            <a:schemeClr val="accent1"/>
-          </a:fillRef>
-          <a:effectRef idx="0">
-            <a:schemeClr val="accent1"/>
-          </a:effectRef>
-          <a:fontRef idx="minor">
-            <a:schemeClr val="lt1"/>
-          </a:fontRef>
-        </p:style>
-        <p:txBody>
-          <a:bodyPr rtlCol="0" anchor="ctr"/>
-          <a:lstStyle/>
-          <a:p>
-            <a:pPr algn="ctr"/>
-            <a:r>
-              <a:rPr lang="ko-KR" altLang="en-US" sz="1350" dirty="0"/>
-              <a:t>아이템 </a:t>
-            </a:r>
-            <a:r>
-              <a:rPr lang="en-US" altLang="ko-KR" sz="1350" dirty="0"/>
-              <a:t>1</a:t>
-            </a:r>
-          </a:p>
-          <a:p>
-            <a:pPr algn="ctr"/>
-            <a:r>
-              <a:rPr lang="ko-KR" altLang="en-US" sz="1350" dirty="0"/>
-              <a:t>가격</a:t>
-            </a:r>
-            <a:r>
-              <a:rPr lang="en-US" altLang="ko-KR" sz="1350" dirty="0"/>
-              <a:t>: ?</a:t>
-            </a:r>
-            <a:endParaRPr lang="ko-KR" altLang="en-US" sz="1350" dirty="0"/>
-          </a:p>
-        </p:txBody>
-      </p:sp>
-      <p:sp>
-        <p:nvSpPr>
-          <p:cNvPr id="8" name="직사각형 7">
-            <a:extLst>
-              <a:ext uri="{FF2B5EF4-FFF2-40B4-BE49-F238E27FC236}">
-                <a16:creationId xmlns:a16="http://schemas.microsoft.com/office/drawing/2014/main" id="{36D6FFF4-06E5-485D-9D55-C5B2CAD59587}"/>
-              </a:ext>
-            </a:extLst>
-          </p:cNvPr>
-          <p:cNvSpPr/>
-          <p:nvPr/>
-        </p:nvSpPr>
-        <p:spPr>
-          <a:xfrm>
-            <a:off x="5398995" y="2212371"/>
-            <a:ext cx="954741" cy="833058"/>
-          </a:xfrm>
-          <a:prstGeom prst="rect">
-            <a:avLst/>
-          </a:prstGeom>
-          <a:solidFill>
-            <a:schemeClr val="tx1"/>
-          </a:solidFill>
-        </p:spPr>
-        <p:style>
-          <a:lnRef idx="2">
-            <a:schemeClr val="accent1">
-              <a:shade val="50000"/>
-            </a:schemeClr>
-          </a:lnRef>
-          <a:fillRef idx="1">
-            <a:schemeClr val="accent1"/>
-          </a:fillRef>
-          <a:effectRef idx="0">
-            <a:schemeClr val="accent1"/>
-          </a:effectRef>
-          <a:fontRef idx="minor">
-            <a:schemeClr val="lt1"/>
-          </a:fontRef>
-        </p:style>
-        <p:txBody>
-          <a:bodyPr rtlCol="0" anchor="ctr"/>
-          <a:lstStyle/>
-          <a:p>
-            <a:pPr algn="ctr"/>
-            <a:r>
-              <a:rPr lang="ko-KR" altLang="en-US" sz="1350" dirty="0"/>
-              <a:t>아이템 </a:t>
-            </a:r>
-            <a:r>
-              <a:rPr lang="en-US" altLang="ko-KR" sz="1350" dirty="0"/>
-              <a:t>4</a:t>
-            </a:r>
-            <a:r>
-              <a:rPr lang="ko-KR" altLang="en-US" sz="1350" dirty="0"/>
-              <a:t>가격</a:t>
-            </a:r>
-            <a:r>
-              <a:rPr lang="en-US" altLang="ko-KR" sz="1350" dirty="0"/>
-              <a:t>: ?</a:t>
-            </a:r>
-            <a:endParaRPr lang="ko-KR" altLang="en-US" sz="1350" dirty="0"/>
-          </a:p>
-        </p:txBody>
-      </p:sp>
-      <p:sp>
-        <p:nvSpPr>
-          <p:cNvPr id="9" name="직사각형 8">
-            <a:extLst>
-              <a:ext uri="{FF2B5EF4-FFF2-40B4-BE49-F238E27FC236}">
-                <a16:creationId xmlns:a16="http://schemas.microsoft.com/office/drawing/2014/main" id="{BDA93FE2-E7C0-48F4-946A-CBB5579BECA6}"/>
-              </a:ext>
-            </a:extLst>
-          </p:cNvPr>
-          <p:cNvSpPr/>
-          <p:nvPr/>
-        </p:nvSpPr>
-        <p:spPr>
-          <a:xfrm>
-            <a:off x="4155142" y="2212371"/>
-            <a:ext cx="954741" cy="833058"/>
-          </a:xfrm>
-          <a:prstGeom prst="rect">
-            <a:avLst/>
-          </a:prstGeom>
-          <a:solidFill>
-            <a:schemeClr val="tx1"/>
-          </a:solidFill>
-        </p:spPr>
-        <p:style>
-          <a:lnRef idx="2">
-            <a:schemeClr val="accent1">
-              <a:shade val="50000"/>
-            </a:schemeClr>
-          </a:lnRef>
-          <a:fillRef idx="1">
-            <a:schemeClr val="accent1"/>
-          </a:fillRef>
-          <a:effectRef idx="0">
-            <a:schemeClr val="accent1"/>
-          </a:effectRef>
-          <a:fontRef idx="minor">
-            <a:schemeClr val="lt1"/>
-          </a:fontRef>
-        </p:style>
-        <p:txBody>
-          <a:bodyPr rtlCol="0" anchor="ctr"/>
-          <a:lstStyle/>
-          <a:p>
-            <a:pPr algn="ctr"/>
-            <a:r>
-              <a:rPr lang="ko-KR" altLang="en-US" sz="1350" dirty="0"/>
-              <a:t>아이템 </a:t>
-            </a:r>
-            <a:r>
-              <a:rPr lang="en-US" altLang="ko-KR" sz="1350" dirty="0"/>
-              <a:t>3</a:t>
-            </a:r>
-            <a:r>
-              <a:rPr lang="ko-KR" altLang="en-US" sz="1350" dirty="0"/>
-              <a:t>가격</a:t>
-            </a:r>
-            <a:r>
-              <a:rPr lang="en-US" altLang="ko-KR" sz="1350" dirty="0"/>
-              <a:t>: ?</a:t>
-            </a:r>
-            <a:endParaRPr lang="ko-KR" altLang="en-US" sz="1350" dirty="0"/>
-          </a:p>
-        </p:txBody>
-      </p:sp>
-      <p:sp>
-        <p:nvSpPr>
-          <p:cNvPr id="10" name="직사각형 9">
-            <a:extLst>
-              <a:ext uri="{FF2B5EF4-FFF2-40B4-BE49-F238E27FC236}">
-                <a16:creationId xmlns:a16="http://schemas.microsoft.com/office/drawing/2014/main" id="{095B21C8-0799-4033-880A-0D1330D555C1}"/>
-              </a:ext>
-            </a:extLst>
-          </p:cNvPr>
-          <p:cNvSpPr/>
-          <p:nvPr/>
-        </p:nvSpPr>
-        <p:spPr>
-          <a:xfrm>
-            <a:off x="2911289" y="2212371"/>
-            <a:ext cx="954741" cy="833058"/>
-          </a:xfrm>
-          <a:prstGeom prst="rect">
-            <a:avLst/>
-          </a:prstGeom>
-          <a:solidFill>
-            <a:schemeClr val="tx1"/>
-          </a:solidFill>
-        </p:spPr>
-        <p:style>
-          <a:lnRef idx="2">
-            <a:schemeClr val="accent1">
-              <a:shade val="50000"/>
-            </a:schemeClr>
-          </a:lnRef>
-          <a:fillRef idx="1">
-            <a:schemeClr val="accent1"/>
-          </a:fillRef>
-          <a:effectRef idx="0">
-            <a:schemeClr val="accent1"/>
-          </a:effectRef>
-          <a:fontRef idx="minor">
-            <a:schemeClr val="lt1"/>
-          </a:fontRef>
-        </p:style>
-        <p:txBody>
-          <a:bodyPr rtlCol="0" anchor="ctr"/>
-          <a:lstStyle/>
-          <a:p>
-            <a:pPr algn="ctr"/>
-            <a:r>
-              <a:rPr lang="ko-KR" altLang="en-US" sz="1350" dirty="0"/>
-              <a:t>아이템 </a:t>
-            </a:r>
-            <a:r>
-              <a:rPr lang="en-US" altLang="ko-KR" sz="1350" dirty="0"/>
-              <a:t>2</a:t>
-            </a:r>
-          </a:p>
-          <a:p>
-            <a:pPr algn="ctr"/>
-            <a:r>
-              <a:rPr lang="ko-KR" altLang="en-US" sz="1350" dirty="0"/>
-              <a:t>가격</a:t>
-            </a:r>
-            <a:r>
-              <a:rPr lang="en-US" altLang="ko-KR" sz="1350" dirty="0"/>
-              <a:t>: ?</a:t>
-            </a:r>
-            <a:endParaRPr lang="ko-KR" altLang="en-US" sz="1350" dirty="0"/>
-          </a:p>
-        </p:txBody>
-      </p:sp>
-      <p:sp>
-        <p:nvSpPr>
-          <p:cNvPr id="12" name="TextBox 11">
-            <a:extLst>
-              <a:ext uri="{FF2B5EF4-FFF2-40B4-BE49-F238E27FC236}">
-                <a16:creationId xmlns:a16="http://schemas.microsoft.com/office/drawing/2014/main" id="{71169AD0-835D-4DED-9BC3-216D9CD80139}"/>
-              </a:ext>
-            </a:extLst>
-          </p:cNvPr>
-          <p:cNvSpPr txBox="1"/>
-          <p:nvPr/>
-        </p:nvSpPr>
-        <p:spPr>
-          <a:xfrm>
-            <a:off x="1445559" y="3909732"/>
-            <a:ext cx="4840941" cy="715581"/>
-          </a:xfrm>
-          <a:prstGeom prst="rect">
-            <a:avLst/>
-          </a:prstGeom>
-          <a:noFill/>
-        </p:spPr>
-        <p:txBody>
-          <a:bodyPr wrap="square" rtlCol="0">
-            <a:spAutoFit/>
-          </a:bodyPr>
-          <a:lstStyle/>
-          <a:p>
-            <a:r>
-              <a:rPr lang="ko-KR" altLang="en-US" sz="1350" dirty="0"/>
-              <a:t>각 아이템 </a:t>
-            </a:r>
-            <a:r>
-              <a:rPr lang="ko-KR" altLang="en-US" sz="1350" dirty="0" err="1"/>
-              <a:t>클릭시</a:t>
-            </a:r>
-            <a:r>
-              <a:rPr lang="ko-KR" altLang="en-US" sz="1350" dirty="0"/>
-              <a:t> </a:t>
-            </a:r>
-            <a:endParaRPr lang="en-US" altLang="ko-KR" sz="1350" dirty="0"/>
-          </a:p>
-          <a:p>
-            <a:pPr marL="214313" indent="-214313">
-              <a:buFontTx/>
-              <a:buChar char="-"/>
-            </a:pPr>
-            <a:r>
-              <a:rPr lang="ko-KR" altLang="en-US" sz="1350" dirty="0"/>
-              <a:t>포인트 충분</a:t>
-            </a:r>
-            <a:r>
-              <a:rPr lang="en-US" altLang="ko-KR" sz="1350" dirty="0"/>
-              <a:t>: </a:t>
-            </a:r>
-            <a:r>
-              <a:rPr lang="ko-KR" altLang="en-US" sz="1350" dirty="0"/>
-              <a:t>구매되었습니다</a:t>
-            </a:r>
-            <a:r>
-              <a:rPr lang="en-US" altLang="ko-KR" sz="1350" dirty="0"/>
-              <a:t>. &gt; </a:t>
-            </a:r>
-            <a:r>
-              <a:rPr lang="ko-KR" altLang="en-US" sz="1350" dirty="0"/>
-              <a:t>아이템 제거</a:t>
-            </a:r>
-            <a:endParaRPr lang="en-US" altLang="ko-KR" sz="1350" dirty="0"/>
-          </a:p>
-          <a:p>
-            <a:pPr marL="214313" indent="-214313">
-              <a:buFontTx/>
-              <a:buChar char="-"/>
-            </a:pPr>
-            <a:r>
-              <a:rPr lang="ko-KR" altLang="en-US" sz="1350" dirty="0"/>
-              <a:t>포인트 부족</a:t>
-            </a:r>
-            <a:r>
-              <a:rPr lang="en-US" altLang="ko-KR" sz="1350" dirty="0"/>
-              <a:t>: </a:t>
-            </a:r>
-            <a:r>
-              <a:rPr lang="ko-KR" altLang="en-US" sz="1350" dirty="0"/>
-              <a:t>포인트를 충전하세요 </a:t>
-            </a:r>
-            <a:r>
-              <a:rPr lang="en-US" altLang="ko-KR" sz="1350" dirty="0"/>
-              <a:t>&gt; </a:t>
-            </a:r>
-            <a:r>
-              <a:rPr lang="ko-KR" altLang="en-US" sz="1350" dirty="0"/>
-              <a:t>아이템 유지</a:t>
-            </a:r>
-          </a:p>
-        </p:txBody>
-      </p:sp>
-    </p:spTree>
-    <p:extLst>
-      <p:ext uri="{BB962C8B-B14F-4D97-AF65-F5344CB8AC3E}">
-        <p14:creationId xmlns:p14="http://schemas.microsoft.com/office/powerpoint/2010/main" val="3457212422"/>
-      </p:ext>
-    </p:extLst>
-  </p:cSld>
-  <p:clrMapOvr>
-    <a:masterClrMapping/>
-  </p:clrMapOvr>
-</p:sld>
-</file>
-
-<file path=ppt/slides/slide4.xml><?xml version="1.0" encoding="utf-8"?>
-<p:sld xmlns:a="http://schemas.openxmlformats.org/drawingml/2006/main" xmlns:r="http://schemas.openxmlformats.org/officeDocument/2006/relationships" xmlns:p="http://schemas.openxmlformats.org/presentationml/2006/main">
-  <p:cSld>
-    <p:spTree>
-      <p:nvGrpSpPr>
-        <p:cNvPr id="1" name=""/>
-        <p:cNvGrpSpPr/>
-        <p:nvPr/>
-      </p:nvGrpSpPr>
-      <p:grpSpPr>
-        <a:xfrm>
-          <a:off x="0" y="0"/>
-          <a:ext cx="0" cy="0"/>
-          <a:chOff x="0" y="0"/>
-          <a:chExt cx="0" cy="0"/>
-        </a:xfrm>
-      </p:grpSpPr>
-      <p:sp>
-        <p:nvSpPr>
-          <p:cNvPr id="5" name="TextBox 4">
-            <a:extLst>
-              <a:ext uri="{FF2B5EF4-FFF2-40B4-BE49-F238E27FC236}">
-                <a16:creationId xmlns:a16="http://schemas.microsoft.com/office/drawing/2014/main" id="{811E1517-D718-4D55-9E3F-78E751C8A448}"/>
-              </a:ext>
-            </a:extLst>
-          </p:cNvPr>
-          <p:cNvSpPr txBox="1"/>
-          <p:nvPr/>
-        </p:nvSpPr>
-        <p:spPr>
-          <a:xfrm>
-            <a:off x="1620371" y="1630456"/>
-            <a:ext cx="2649071" cy="300082"/>
-          </a:xfrm>
-          <a:prstGeom prst="rect">
-            <a:avLst/>
-          </a:prstGeom>
-          <a:noFill/>
-        </p:spPr>
-        <p:txBody>
-          <a:bodyPr wrap="square" rtlCol="0">
-            <a:spAutoFit/>
-          </a:bodyPr>
-          <a:lstStyle/>
-          <a:p>
-            <a:r>
-              <a:rPr lang="ko-KR" altLang="en-US" sz="1350" dirty="0"/>
-              <a:t>구매 목록 화면</a:t>
-            </a:r>
-            <a:r>
-              <a:rPr lang="en-US" altLang="ko-KR" sz="1350" dirty="0"/>
-              <a:t>(</a:t>
-            </a:r>
-            <a:r>
-              <a:rPr lang="ko-KR" altLang="en-US" sz="1350" dirty="0"/>
-              <a:t>구매자 입장</a:t>
-            </a:r>
-            <a:r>
-              <a:rPr lang="en-US" altLang="ko-KR" sz="1350" dirty="0"/>
-              <a:t>)</a:t>
-            </a:r>
-            <a:endParaRPr lang="ko-KR" altLang="en-US" sz="1350" dirty="0"/>
-          </a:p>
-        </p:txBody>
-      </p:sp>
-      <p:sp>
-        <p:nvSpPr>
-          <p:cNvPr id="7" name="직사각형 6">
-            <a:extLst>
-              <a:ext uri="{FF2B5EF4-FFF2-40B4-BE49-F238E27FC236}">
-                <a16:creationId xmlns:a16="http://schemas.microsoft.com/office/drawing/2014/main" id="{6D81A0DF-3997-4F3F-9F8B-1E44A8C4F9A5}"/>
-              </a:ext>
-            </a:extLst>
-          </p:cNvPr>
-          <p:cNvSpPr/>
-          <p:nvPr/>
-        </p:nvSpPr>
-        <p:spPr>
-          <a:xfrm>
-            <a:off x="1613648" y="2212371"/>
-            <a:ext cx="954741" cy="833058"/>
-          </a:xfrm>
-          <a:prstGeom prst="rect">
-            <a:avLst/>
-          </a:prstGeom>
-          <a:solidFill>
-            <a:schemeClr val="tx1"/>
-          </a:solidFill>
-        </p:spPr>
-        <p:style>
-          <a:lnRef idx="2">
-            <a:schemeClr val="accent1">
-              <a:shade val="50000"/>
-            </a:schemeClr>
-          </a:lnRef>
-          <a:fillRef idx="1">
-            <a:schemeClr val="accent1"/>
-          </a:fillRef>
-          <a:effectRef idx="0">
-            <a:schemeClr val="accent1"/>
-          </a:effectRef>
-          <a:fontRef idx="minor">
-            <a:schemeClr val="lt1"/>
-          </a:fontRef>
-        </p:style>
-        <p:txBody>
-          <a:bodyPr rtlCol="0" anchor="ctr"/>
-          <a:lstStyle/>
-          <a:p>
-            <a:pPr algn="ctr"/>
-            <a:r>
-              <a:rPr lang="ko-KR" altLang="en-US" sz="1350" dirty="0"/>
-              <a:t>아이템 </a:t>
-            </a:r>
-            <a:r>
-              <a:rPr lang="en-US" altLang="ko-KR" sz="1350" dirty="0"/>
-              <a:t>2</a:t>
-            </a:r>
-            <a:endParaRPr lang="ko-KR" altLang="en-US" sz="1350" dirty="0"/>
-          </a:p>
-        </p:txBody>
-      </p:sp>
-      <p:sp>
-        <p:nvSpPr>
-          <p:cNvPr id="11" name="직사각형 10">
-            <a:extLst>
-              <a:ext uri="{FF2B5EF4-FFF2-40B4-BE49-F238E27FC236}">
-                <a16:creationId xmlns:a16="http://schemas.microsoft.com/office/drawing/2014/main" id="{4CC8AF06-0AFF-4E41-A198-F2C189D03C65}"/>
-              </a:ext>
-            </a:extLst>
-          </p:cNvPr>
-          <p:cNvSpPr/>
-          <p:nvPr/>
-        </p:nvSpPr>
-        <p:spPr>
-          <a:xfrm>
-            <a:off x="2971799" y="2212371"/>
-            <a:ext cx="954741" cy="833058"/>
-          </a:xfrm>
-          <a:prstGeom prst="rect">
-            <a:avLst/>
-          </a:prstGeom>
-          <a:solidFill>
-            <a:schemeClr val="tx1"/>
-          </a:solidFill>
-        </p:spPr>
-        <p:style>
-          <a:lnRef idx="2">
-            <a:schemeClr val="accent1">
-              <a:shade val="50000"/>
-            </a:schemeClr>
-          </a:lnRef>
-          <a:fillRef idx="1">
-            <a:schemeClr val="accent1"/>
-          </a:fillRef>
-          <a:effectRef idx="0">
-            <a:schemeClr val="accent1"/>
-          </a:effectRef>
-          <a:fontRef idx="minor">
-            <a:schemeClr val="lt1"/>
-          </a:fontRef>
-        </p:style>
-        <p:txBody>
-          <a:bodyPr rtlCol="0" anchor="ctr"/>
-          <a:lstStyle/>
-          <a:p>
-            <a:pPr algn="ctr"/>
-            <a:r>
-              <a:rPr lang="ko-KR" altLang="en-US" sz="1350" dirty="0"/>
-              <a:t>아이템 </a:t>
-            </a:r>
-            <a:r>
-              <a:rPr lang="en-US" altLang="ko-KR" sz="1350" dirty="0"/>
-              <a:t>3</a:t>
-            </a:r>
-            <a:endParaRPr lang="ko-KR" altLang="en-US" sz="1350" dirty="0"/>
-          </a:p>
-        </p:txBody>
-      </p:sp>
-      <p:sp>
-        <p:nvSpPr>
-          <p:cNvPr id="14" name="TextBox 13">
-            <a:extLst>
-              <a:ext uri="{FF2B5EF4-FFF2-40B4-BE49-F238E27FC236}">
-                <a16:creationId xmlns:a16="http://schemas.microsoft.com/office/drawing/2014/main" id="{B902BB4E-0C7F-44A1-9D7D-BE3838C89A77}"/>
-              </a:ext>
-            </a:extLst>
-          </p:cNvPr>
-          <p:cNvSpPr txBox="1"/>
-          <p:nvPr/>
-        </p:nvSpPr>
-        <p:spPr>
-          <a:xfrm>
-            <a:off x="1613647" y="3788709"/>
-            <a:ext cx="5472953" cy="507831"/>
-          </a:xfrm>
-          <a:prstGeom prst="rect">
-            <a:avLst/>
-          </a:prstGeom>
-          <a:noFill/>
-        </p:spPr>
-        <p:txBody>
-          <a:bodyPr wrap="square" rtlCol="0">
-            <a:spAutoFit/>
-          </a:bodyPr>
-          <a:lstStyle/>
-          <a:p>
-            <a:r>
-              <a:rPr lang="en-US" altLang="ko-KR" sz="1350" dirty="0"/>
-              <a:t>- </a:t>
-            </a:r>
-            <a:r>
-              <a:rPr lang="ko-KR" altLang="en-US" sz="1350" dirty="0"/>
-              <a:t>구매 목록 화면에는 구매 화면에서 구매를 한 아이템이 추가가 된다</a:t>
-            </a:r>
-            <a:r>
-              <a:rPr lang="en-US" altLang="ko-KR" sz="1350" dirty="0"/>
-              <a:t>.</a:t>
-            </a:r>
-            <a:r>
-              <a:rPr lang="ko-KR" altLang="en-US" sz="1350" dirty="0"/>
-              <a:t> </a:t>
-            </a:r>
-          </a:p>
-        </p:txBody>
-      </p:sp>
-    </p:spTree>
-    <p:extLst>
-      <p:ext uri="{BB962C8B-B14F-4D97-AF65-F5344CB8AC3E}">
-        <p14:creationId xmlns:p14="http://schemas.microsoft.com/office/powerpoint/2010/main" val="3456942160"/>
-      </p:ext>
-    </p:extLst>
-  </p:cSld>
-  <p:clrMapOvr>
-    <a:masterClrMapping/>
-  </p:clrMapOvr>
-</p:sld>
-</file>
-
-<file path=ppt/slides/slide5.xml><?xml version="1.0" encoding="utf-8"?>
-<p:sld xmlns:a="http://schemas.openxmlformats.org/drawingml/2006/main" xmlns:r="http://schemas.openxmlformats.org/officeDocument/2006/relationships" xmlns:p="http://schemas.openxmlformats.org/presentationml/2006/main">
-  <p:cSld>
-    <p:spTree>
-      <p:nvGrpSpPr>
-        <p:cNvPr id="1" name=""/>
-        <p:cNvGrpSpPr/>
-        <p:nvPr/>
-      </p:nvGrpSpPr>
-      <p:grpSpPr>
-        <a:xfrm>
-          <a:off x="0" y="0"/>
-          <a:ext cx="0" cy="0"/>
-          <a:chOff x="0" y="0"/>
-          <a:chExt cx="0" cy="0"/>
-        </a:xfrm>
-      </p:grpSpPr>
       <p:grpSp>
         <p:nvGrpSpPr>
           <p:cNvPr id="19" name="그룹 18">
@@ -4578,7 +2994,7 @@
         </p:nvGrpSpPr>
         <p:grpSpPr>
           <a:xfrm>
-            <a:off x="475636" y="208965"/>
+            <a:off x="1999636" y="208966"/>
             <a:ext cx="8668364" cy="805681"/>
             <a:chOff x="634181" y="870155"/>
             <a:chExt cx="11557818" cy="1074241"/>
@@ -4705,7 +3121,7 @@
         </p:nvSpPr>
         <p:spPr>
           <a:xfrm>
-            <a:off x="475636" y="1440023"/>
+            <a:off x="1999637" y="1440023"/>
             <a:ext cx="2480465" cy="2164326"/>
           </a:xfrm>
           <a:prstGeom prst="rect">
@@ -4757,7 +3173,7 @@
         </p:nvSpPr>
         <p:spPr>
           <a:xfrm>
-            <a:off x="5903517" y="1440023"/>
+            <a:off x="7427518" y="1440023"/>
             <a:ext cx="2480465" cy="2164326"/>
           </a:xfrm>
           <a:prstGeom prst="rect">
@@ -4809,7 +3225,7 @@
         </p:nvSpPr>
         <p:spPr>
           <a:xfrm>
-            <a:off x="3189577" y="1440023"/>
+            <a:off x="4713578" y="1440023"/>
             <a:ext cx="2480465" cy="2164326"/>
           </a:xfrm>
           <a:prstGeom prst="rect">
@@ -4861,7 +3277,7 @@
         </p:nvSpPr>
         <p:spPr>
           <a:xfrm>
-            <a:off x="475635" y="3690972"/>
+            <a:off x="1999636" y="3690973"/>
             <a:ext cx="2480465" cy="507831"/>
           </a:xfrm>
           <a:prstGeom prst="rect">
@@ -4903,7 +3319,7 @@
         </p:nvSpPr>
         <p:spPr>
           <a:xfrm>
-            <a:off x="5903517" y="3690970"/>
+            <a:off x="7427518" y="3690971"/>
             <a:ext cx="2480465" cy="507831"/>
           </a:xfrm>
           <a:prstGeom prst="rect">
@@ -4945,7 +3361,7 @@
         </p:nvSpPr>
         <p:spPr>
           <a:xfrm>
-            <a:off x="3189577" y="3690971"/>
+            <a:off x="4713578" y="3690972"/>
             <a:ext cx="2480465" cy="507831"/>
           </a:xfrm>
           <a:prstGeom prst="rect">
@@ -4987,7 +3403,7 @@
         </p:nvSpPr>
         <p:spPr>
           <a:xfrm>
-            <a:off x="786809" y="4558364"/>
+            <a:off x="2310809" y="4558364"/>
             <a:ext cx="5709684" cy="1600438"/>
           </a:xfrm>
           <a:prstGeom prst="rect">
@@ -5107,7 +3523,7 @@
 </p:sld>
 </file>
 
-<file path=ppt/slides/slide6.xml><?xml version="1.0" encoding="utf-8"?>
+<file path=ppt/slides/slide2.xml><?xml version="1.0" encoding="utf-8"?>
 <p:sld xmlns:a="http://schemas.openxmlformats.org/drawingml/2006/main" xmlns:r="http://schemas.openxmlformats.org/officeDocument/2006/relationships" xmlns:p="http://schemas.openxmlformats.org/presentationml/2006/main">
   <p:cSld>
     <p:spTree>
@@ -5138,7 +3554,7 @@
         </p:nvSpPr>
         <p:spPr>
           <a:xfrm>
-            <a:off x="2698954" y="2305517"/>
+            <a:off x="4222954" y="2305517"/>
             <a:ext cx="1660712" cy="300082"/>
           </a:xfrm>
           <a:prstGeom prst="rect">
@@ -5178,7 +3594,7 @@
         </p:nvSpPr>
         <p:spPr>
           <a:xfrm>
-            <a:off x="5704373" y="2214235"/>
+            <a:off x="7228373" y="2214236"/>
             <a:ext cx="578224" cy="459565"/>
           </a:xfrm>
           <a:prstGeom prst="rect">
@@ -5230,7 +3646,7 @@
         </p:nvSpPr>
         <p:spPr>
           <a:xfrm>
-            <a:off x="4521031" y="2214235"/>
+            <a:off x="6045031" y="2214236"/>
             <a:ext cx="1021976" cy="459565"/>
           </a:xfrm>
           <a:prstGeom prst="rect">
@@ -5296,7 +3712,7 @@
         </p:nvSpPr>
         <p:spPr>
           <a:xfrm>
-            <a:off x="2599403" y="1363931"/>
+            <a:off x="4123404" y="1363931"/>
             <a:ext cx="3882513" cy="2160172"/>
           </a:xfrm>
           <a:prstGeom prst="rect">
@@ -5348,7 +3764,7 @@
         </p:nvGrpSpPr>
         <p:grpSpPr>
           <a:xfrm>
-            <a:off x="475636" y="208965"/>
+            <a:off x="1999636" y="208966"/>
             <a:ext cx="8668364" cy="805681"/>
             <a:chOff x="634181" y="870155"/>
             <a:chExt cx="11557818" cy="1074241"/>
@@ -5475,7 +3891,7 @@
         </p:nvSpPr>
         <p:spPr>
           <a:xfrm>
-            <a:off x="786808" y="4061636"/>
+            <a:off x="2310809" y="4061637"/>
             <a:ext cx="6280965" cy="954107"/>
           </a:xfrm>
           <a:prstGeom prst="rect">
@@ -5557,7 +3973,7 @@
 </p:sld>
 </file>
 
-<file path=ppt/slides/slide7.xml><?xml version="1.0" encoding="utf-8"?>
+<file path=ppt/slides/slide3.xml><?xml version="1.0" encoding="utf-8"?>
 <p:sld xmlns:a="http://schemas.openxmlformats.org/drawingml/2006/main" xmlns:r="http://schemas.openxmlformats.org/officeDocument/2006/relationships" xmlns:p="http://schemas.openxmlformats.org/presentationml/2006/main">
   <p:cSld>
     <p:spTree>
@@ -5588,7 +4004,7 @@
         </p:nvSpPr>
         <p:spPr>
           <a:xfrm>
-            <a:off x="1675786" y="1628454"/>
+            <a:off x="3199786" y="1628454"/>
             <a:ext cx="2079524" cy="1814486"/>
           </a:xfrm>
           <a:prstGeom prst="rect">
@@ -5648,7 +4064,7 @@
         </p:nvSpPr>
         <p:spPr>
           <a:xfrm>
-            <a:off x="5913113" y="1867021"/>
+            <a:off x="7437114" y="1867021"/>
             <a:ext cx="1397373" cy="1337352"/>
           </a:xfrm>
           <a:prstGeom prst="rect">
@@ -5701,7 +4117,7 @@
         </p:nvGrpSpPr>
         <p:grpSpPr>
           <a:xfrm>
-            <a:off x="4151184" y="1867021"/>
+            <a:off x="5675184" y="1867021"/>
             <a:ext cx="1479178" cy="1337352"/>
             <a:chOff x="5695190" y="2590674"/>
             <a:chExt cx="1972237" cy="1783136"/>
@@ -5905,7 +4321,7 @@
         </p:nvGrpSpPr>
         <p:grpSpPr>
           <a:xfrm>
-            <a:off x="475636" y="208965"/>
+            <a:off x="1999636" y="208966"/>
             <a:ext cx="8668364" cy="805681"/>
             <a:chOff x="634181" y="870155"/>
             <a:chExt cx="11557818" cy="1074241"/>
@@ -6032,7 +4448,7 @@
         </p:nvSpPr>
         <p:spPr>
           <a:xfrm>
-            <a:off x="786809" y="4061636"/>
+            <a:off x="2310809" y="4061637"/>
             <a:ext cx="5709684" cy="1169551"/>
           </a:xfrm>
           <a:prstGeom prst="rect">
@@ -6135,7 +4551,7 @@
 </p:sld>
 </file>
 
-<file path=ppt/slides/slide8.xml><?xml version="1.0" encoding="utf-8"?>
+<file path=ppt/slides/slide4.xml><?xml version="1.0" encoding="utf-8"?>
 <p:sld xmlns:a="http://schemas.openxmlformats.org/drawingml/2006/main" xmlns:r="http://schemas.openxmlformats.org/officeDocument/2006/relationships" xmlns:p="http://schemas.openxmlformats.org/presentationml/2006/main">
   <p:cSld>
     <p:spTree>
@@ -6166,7 +4582,7 @@
         </p:nvSpPr>
         <p:spPr>
           <a:xfrm>
-            <a:off x="475636" y="1289864"/>
+            <a:off x="1999637" y="1289864"/>
             <a:ext cx="2480465" cy="2164326"/>
           </a:xfrm>
           <a:prstGeom prst="rect">
@@ -6218,7 +4634,7 @@
         </p:nvSpPr>
         <p:spPr>
           <a:xfrm>
-            <a:off x="3189577" y="1289864"/>
+            <a:off x="4713578" y="1289864"/>
             <a:ext cx="2480465" cy="2164326"/>
           </a:xfrm>
           <a:prstGeom prst="rect">
@@ -6270,7 +4686,7 @@
         </p:nvSpPr>
         <p:spPr>
           <a:xfrm>
-            <a:off x="475635" y="3540813"/>
+            <a:off x="1999636" y="3540814"/>
             <a:ext cx="2480465" cy="507831"/>
           </a:xfrm>
           <a:prstGeom prst="rect">
@@ -6312,7 +4728,7 @@
         </p:nvSpPr>
         <p:spPr>
           <a:xfrm>
-            <a:off x="3189577" y="3540812"/>
+            <a:off x="4713578" y="3540813"/>
             <a:ext cx="2480465" cy="507831"/>
           </a:xfrm>
           <a:prstGeom prst="rect">
@@ -6354,7 +4770,7 @@
         </p:nvGrpSpPr>
         <p:grpSpPr>
           <a:xfrm>
-            <a:off x="475636" y="208965"/>
+            <a:off x="1999636" y="208966"/>
             <a:ext cx="8668364" cy="805681"/>
             <a:chOff x="634181" y="870155"/>
             <a:chExt cx="11557818" cy="1074241"/>
@@ -6481,7 +4897,7 @@
         </p:nvSpPr>
         <p:spPr>
           <a:xfrm>
-            <a:off x="786809" y="4558364"/>
+            <a:off x="2310809" y="4558364"/>
             <a:ext cx="5709684" cy="738664"/>
           </a:xfrm>
           <a:prstGeom prst="rect">
@@ -6556,7 +4972,7 @@
 </p:sld>
 </file>
 
-<file path=ppt/slides/slide9.xml><?xml version="1.0" encoding="utf-8"?>
+<file path=ppt/slides/slide5.xml><?xml version="1.0" encoding="utf-8"?>
 <p:sld xmlns:a="http://schemas.openxmlformats.org/drawingml/2006/main" xmlns:r="http://schemas.openxmlformats.org/officeDocument/2006/relationships" xmlns:p="http://schemas.openxmlformats.org/presentationml/2006/main">
   <p:cSld>
     <p:spTree>
@@ -6595,7 +5011,7 @@
         </p:blipFill>
         <p:spPr>
           <a:xfrm>
-            <a:off x="0" y="0"/>
+            <a:off x="1524000" y="0"/>
             <a:ext cx="2502976" cy="6858000"/>
           </a:xfrm>
           <a:prstGeom prst="rect">
@@ -6625,7 +5041,7 @@
         </p:blipFill>
         <p:spPr>
           <a:xfrm>
-            <a:off x="3971681" y="4453467"/>
+            <a:off x="5495681" y="4453467"/>
             <a:ext cx="3119750" cy="2286000"/>
           </a:xfrm>
           <a:prstGeom prst="rect">
@@ -6655,7 +5071,7 @@
         </p:blipFill>
         <p:spPr>
           <a:xfrm>
-            <a:off x="2507498" y="839452"/>
+            <a:off x="4031499" y="839453"/>
             <a:ext cx="6034865" cy="957455"/>
           </a:xfrm>
           <a:prstGeom prst="rect">
@@ -6677,7 +5093,7 @@
         </p:nvSpPr>
         <p:spPr>
           <a:xfrm>
-            <a:off x="2502977" y="2072207"/>
+            <a:off x="4026977" y="2072207"/>
             <a:ext cx="1955138" cy="1705952"/>
           </a:xfrm>
           <a:prstGeom prst="rect">
@@ -6729,7 +5145,7 @@
         </p:nvSpPr>
         <p:spPr>
           <a:xfrm>
-            <a:off x="4754069" y="2072207"/>
+            <a:off x="6278069" y="2072207"/>
             <a:ext cx="1955138" cy="1705952"/>
           </a:xfrm>
           <a:prstGeom prst="rect">
@@ -6781,7 +5197,7 @@
         </p:nvSpPr>
         <p:spPr>
           <a:xfrm>
-            <a:off x="2502976" y="3854231"/>
+            <a:off x="4026976" y="3854232"/>
             <a:ext cx="1955138" cy="507831"/>
           </a:xfrm>
           <a:prstGeom prst="rect">
@@ -6823,7 +5239,7 @@
         </p:nvSpPr>
         <p:spPr>
           <a:xfrm>
-            <a:off x="4754069" y="3854230"/>
+            <a:off x="6278069" y="3854231"/>
             <a:ext cx="1955138" cy="507831"/>
           </a:xfrm>
           <a:prstGeom prst="rect">
@@ -6865,7 +5281,7 @@
         </p:nvSpPr>
         <p:spPr>
           <a:xfrm>
-            <a:off x="6961090" y="2072207"/>
+            <a:off x="8485090" y="2072207"/>
             <a:ext cx="1955138" cy="1705952"/>
           </a:xfrm>
           <a:prstGeom prst="rect">
@@ -6917,7 +5333,7 @@
         </p:nvSpPr>
         <p:spPr>
           <a:xfrm>
-            <a:off x="6961090" y="3854230"/>
+            <a:off x="8485090" y="3854231"/>
             <a:ext cx="1955138" cy="507831"/>
           </a:xfrm>
           <a:prstGeom prst="rect">
@@ -6949,6 +5365,1910 @@
     <p:extLst>
       <p:ext uri="{BB962C8B-B14F-4D97-AF65-F5344CB8AC3E}">
         <p14:creationId xmlns:p14="http://schemas.microsoft.com/office/powerpoint/2010/main" val="2661832378"/>
+      </p:ext>
+    </p:extLst>
+  </p:cSld>
+  <p:clrMapOvr>
+    <a:masterClrMapping/>
+  </p:clrMapOvr>
+</p:sld>
+</file>
+
+<file path=ppt/slides/slide6.xml><?xml version="1.0" encoding="utf-8"?>
+<p:sld xmlns:a="http://schemas.openxmlformats.org/drawingml/2006/main" xmlns:r="http://schemas.openxmlformats.org/officeDocument/2006/relationships" xmlns:p="http://schemas.openxmlformats.org/presentationml/2006/main">
+  <p:cSld>
+    <p:spTree>
+      <p:nvGrpSpPr>
+        <p:cNvPr id="1" name=""/>
+        <p:cNvGrpSpPr/>
+        <p:nvPr/>
+      </p:nvGrpSpPr>
+      <p:grpSpPr>
+        <a:xfrm>
+          <a:off x="0" y="0"/>
+          <a:ext cx="0" cy="0"/>
+          <a:chOff x="0" y="0"/>
+          <a:chExt cx="0" cy="0"/>
+        </a:xfrm>
+      </p:grpSpPr>
+      <p:pic>
+        <p:nvPicPr>
+          <p:cNvPr id="10" name="그림 9">
+            <a:extLst>
+              <a:ext uri="{FF2B5EF4-FFF2-40B4-BE49-F238E27FC236}">
+                <a16:creationId xmlns:a16="http://schemas.microsoft.com/office/drawing/2014/main" id="{0BB0D055-8F8E-4A6E-9763-88AF781A7D04}"/>
+              </a:ext>
+            </a:extLst>
+          </p:cNvPr>
+          <p:cNvPicPr>
+            <a:picLocks noChangeAspect="1"/>
+          </p:cNvPicPr>
+          <p:nvPr/>
+        </p:nvPicPr>
+        <p:blipFill>
+          <a:blip r:embed="rId2"/>
+          <a:stretch>
+            <a:fillRect/>
+          </a:stretch>
+        </p:blipFill>
+        <p:spPr>
+          <a:xfrm>
+            <a:off x="1524000" y="0"/>
+            <a:ext cx="2645808" cy="6858000"/>
+          </a:xfrm>
+          <a:prstGeom prst="rect">
+            <a:avLst/>
+          </a:prstGeom>
+        </p:spPr>
+      </p:pic>
+      <p:pic>
+        <p:nvPicPr>
+          <p:cNvPr id="11" name="그림 10">
+            <a:extLst>
+              <a:ext uri="{FF2B5EF4-FFF2-40B4-BE49-F238E27FC236}">
+                <a16:creationId xmlns:a16="http://schemas.microsoft.com/office/drawing/2014/main" id="{AAC98856-DC2A-4BA3-A7C3-6CF46FD0312C}"/>
+              </a:ext>
+            </a:extLst>
+          </p:cNvPr>
+          <p:cNvPicPr>
+            <a:picLocks noChangeAspect="1"/>
+          </p:cNvPicPr>
+          <p:nvPr/>
+        </p:nvPicPr>
+        <p:blipFill>
+          <a:blip r:embed="rId3"/>
+          <a:stretch>
+            <a:fillRect/>
+          </a:stretch>
+        </p:blipFill>
+        <p:spPr>
+          <a:xfrm>
+            <a:off x="5582990" y="1559859"/>
+            <a:ext cx="4708227" cy="289036"/>
+          </a:xfrm>
+          <a:prstGeom prst="rect">
+            <a:avLst/>
+          </a:prstGeom>
+        </p:spPr>
+      </p:pic>
+      <p:sp>
+        <p:nvSpPr>
+          <p:cNvPr id="12" name="TextBox 11">
+            <a:extLst>
+              <a:ext uri="{FF2B5EF4-FFF2-40B4-BE49-F238E27FC236}">
+                <a16:creationId xmlns:a16="http://schemas.microsoft.com/office/drawing/2014/main" id="{96A19012-A110-4362-A42F-D0151F8B1371}"/>
+              </a:ext>
+            </a:extLst>
+          </p:cNvPr>
+          <p:cNvSpPr txBox="1"/>
+          <p:nvPr/>
+        </p:nvSpPr>
+        <p:spPr>
+          <a:xfrm>
+            <a:off x="1815963" y="116543"/>
+            <a:ext cx="2137472" cy="307777"/>
+          </a:xfrm>
+          <a:prstGeom prst="rect">
+            <a:avLst/>
+          </a:prstGeom>
+          <a:noFill/>
+        </p:spPr>
+        <p:txBody>
+          <a:bodyPr wrap="square" rtlCol="0">
+            <a:spAutoFit/>
+          </a:bodyPr>
+          <a:lstStyle/>
+          <a:p>
+            <a:r>
+              <a:rPr lang="ko-KR" altLang="en-US" sz="1400"/>
+              <a:t>장바구니 페이지</a:t>
+            </a:r>
+          </a:p>
+        </p:txBody>
+      </p:sp>
+      <p:pic>
+        <p:nvPicPr>
+          <p:cNvPr id="13" name="그림 12">
+            <a:extLst>
+              <a:ext uri="{FF2B5EF4-FFF2-40B4-BE49-F238E27FC236}">
+                <a16:creationId xmlns:a16="http://schemas.microsoft.com/office/drawing/2014/main" id="{1A5488AB-AFB7-4A1E-9CFE-580703B83593}"/>
+              </a:ext>
+            </a:extLst>
+          </p:cNvPr>
+          <p:cNvPicPr>
+            <a:picLocks noChangeAspect="1"/>
+          </p:cNvPicPr>
+          <p:nvPr/>
+        </p:nvPicPr>
+        <p:blipFill>
+          <a:blip r:embed="rId4"/>
+          <a:stretch>
+            <a:fillRect/>
+          </a:stretch>
+        </p:blipFill>
+        <p:spPr>
+          <a:xfrm>
+            <a:off x="4805083" y="2357089"/>
+            <a:ext cx="4805082" cy="1874880"/>
+          </a:xfrm>
+          <a:prstGeom prst="rect">
+            <a:avLst/>
+          </a:prstGeom>
+        </p:spPr>
+      </p:pic>
+    </p:spTree>
+    <p:extLst>
+      <p:ext uri="{BB962C8B-B14F-4D97-AF65-F5344CB8AC3E}">
+        <p14:creationId xmlns:p14="http://schemas.microsoft.com/office/powerpoint/2010/main" val="2733236469"/>
+      </p:ext>
+    </p:extLst>
+  </p:cSld>
+  <p:clrMapOvr>
+    <a:masterClrMapping/>
+  </p:clrMapOvr>
+</p:sld>
+</file>
+
+<file path=ppt/slides/slide7.xml><?xml version="1.0" encoding="utf-8"?>
+<p:sld xmlns:a="http://schemas.openxmlformats.org/drawingml/2006/main" xmlns:r="http://schemas.openxmlformats.org/officeDocument/2006/relationships" xmlns:p="http://schemas.openxmlformats.org/presentationml/2006/main">
+  <p:cSld>
+    <p:spTree>
+      <p:nvGrpSpPr>
+        <p:cNvPr id="1" name=""/>
+        <p:cNvGrpSpPr/>
+        <p:nvPr/>
+      </p:nvGrpSpPr>
+      <p:grpSpPr>
+        <a:xfrm>
+          <a:off x="0" y="0"/>
+          <a:ext cx="0" cy="0"/>
+          <a:chOff x="0" y="0"/>
+          <a:chExt cx="0" cy="0"/>
+        </a:xfrm>
+      </p:grpSpPr>
+      <p:sp>
+        <p:nvSpPr>
+          <p:cNvPr id="4" name="직사각형 3">
+            <a:extLst>
+              <a:ext uri="{FF2B5EF4-FFF2-40B4-BE49-F238E27FC236}">
+                <a16:creationId xmlns:a16="http://schemas.microsoft.com/office/drawing/2014/main" id="{68D4A6C5-6F68-44C8-8311-8E65162CCC65}"/>
+              </a:ext>
+            </a:extLst>
+          </p:cNvPr>
+          <p:cNvSpPr/>
+          <p:nvPr/>
+        </p:nvSpPr>
+        <p:spPr>
+          <a:xfrm>
+            <a:off x="2303930" y="1"/>
+            <a:ext cx="5178064" cy="510988"/>
+          </a:xfrm>
+          <a:prstGeom prst="rect">
+            <a:avLst/>
+          </a:prstGeom>
+          <a:noFill/>
+          <a:ln w="19050">
+            <a:solidFill>
+              <a:schemeClr val="tx1"/>
+            </a:solidFill>
+          </a:ln>
+        </p:spPr>
+        <p:style>
+          <a:lnRef idx="2">
+            <a:schemeClr val="accent1">
+              <a:shade val="50000"/>
+            </a:schemeClr>
+          </a:lnRef>
+          <a:fillRef idx="1">
+            <a:schemeClr val="accent1"/>
+          </a:fillRef>
+          <a:effectRef idx="0">
+            <a:schemeClr val="accent1"/>
+          </a:effectRef>
+          <a:fontRef idx="minor">
+            <a:schemeClr val="lt1"/>
+          </a:fontRef>
+        </p:style>
+        <p:txBody>
+          <a:bodyPr rtlCol="0" anchor="ctr"/>
+          <a:lstStyle/>
+          <a:p>
+            <a:pPr algn="ctr"/>
+            <a:r>
+              <a:rPr lang="en-US" altLang="ko-KR" dirty="0">
+                <a:solidFill>
+                  <a:schemeClr val="tx1"/>
+                </a:solidFill>
+              </a:rPr>
+              <a:t>Header</a:t>
+            </a:r>
+            <a:endParaRPr lang="ko-KR" altLang="en-US" dirty="0">
+              <a:solidFill>
+                <a:schemeClr val="tx1"/>
+              </a:solidFill>
+            </a:endParaRPr>
+          </a:p>
+        </p:txBody>
+      </p:sp>
+      <p:sp>
+        <p:nvSpPr>
+          <p:cNvPr id="6" name="직사각형 5">
+            <a:extLst>
+              <a:ext uri="{FF2B5EF4-FFF2-40B4-BE49-F238E27FC236}">
+                <a16:creationId xmlns:a16="http://schemas.microsoft.com/office/drawing/2014/main" id="{EF6741A2-E49E-4E22-88AB-84FDE94B7703}"/>
+              </a:ext>
+            </a:extLst>
+          </p:cNvPr>
+          <p:cNvSpPr/>
+          <p:nvPr/>
+        </p:nvSpPr>
+        <p:spPr>
+          <a:xfrm>
+            <a:off x="1524001" y="0"/>
+            <a:ext cx="779929" cy="4473388"/>
+          </a:xfrm>
+          <a:prstGeom prst="rect">
+            <a:avLst/>
+          </a:prstGeom>
+          <a:noFill/>
+          <a:ln w="19050">
+            <a:solidFill>
+              <a:schemeClr val="tx1"/>
+            </a:solidFill>
+          </a:ln>
+        </p:spPr>
+        <p:style>
+          <a:lnRef idx="2">
+            <a:schemeClr val="accent2">
+              <a:shade val="50000"/>
+            </a:schemeClr>
+          </a:lnRef>
+          <a:fillRef idx="1">
+            <a:schemeClr val="accent2"/>
+          </a:fillRef>
+          <a:effectRef idx="0">
+            <a:schemeClr val="accent2"/>
+          </a:effectRef>
+          <a:fontRef idx="minor">
+            <a:schemeClr val="lt1"/>
+          </a:fontRef>
+        </p:style>
+        <p:txBody>
+          <a:bodyPr rtlCol="0" anchor="ctr"/>
+          <a:lstStyle/>
+          <a:p>
+            <a:pPr algn="ctr"/>
+            <a:r>
+              <a:rPr lang="en-US" altLang="ko-KR" dirty="0">
+                <a:solidFill>
+                  <a:schemeClr val="tx1"/>
+                </a:solidFill>
+              </a:rPr>
+              <a:t>Sider</a:t>
+            </a:r>
+            <a:endParaRPr lang="ko-KR" altLang="en-US" dirty="0">
+              <a:solidFill>
+                <a:schemeClr val="tx1"/>
+              </a:solidFill>
+            </a:endParaRPr>
+          </a:p>
+        </p:txBody>
+      </p:sp>
+      <p:sp>
+        <p:nvSpPr>
+          <p:cNvPr id="7" name="직사각형 6">
+            <a:extLst>
+              <a:ext uri="{FF2B5EF4-FFF2-40B4-BE49-F238E27FC236}">
+                <a16:creationId xmlns:a16="http://schemas.microsoft.com/office/drawing/2014/main" id="{71100109-0871-4CE2-A756-59218CAF3B22}"/>
+              </a:ext>
+            </a:extLst>
+          </p:cNvPr>
+          <p:cNvSpPr/>
+          <p:nvPr/>
+        </p:nvSpPr>
+        <p:spPr>
+          <a:xfrm>
+            <a:off x="2303930" y="3926541"/>
+            <a:ext cx="5178064" cy="546847"/>
+          </a:xfrm>
+          <a:prstGeom prst="rect">
+            <a:avLst/>
+          </a:prstGeom>
+          <a:noFill/>
+          <a:ln w="19050">
+            <a:solidFill>
+              <a:schemeClr val="tx1"/>
+            </a:solidFill>
+          </a:ln>
+        </p:spPr>
+        <p:style>
+          <a:lnRef idx="2">
+            <a:schemeClr val="accent1">
+              <a:shade val="50000"/>
+            </a:schemeClr>
+          </a:lnRef>
+          <a:fillRef idx="1">
+            <a:schemeClr val="accent1"/>
+          </a:fillRef>
+          <a:effectRef idx="0">
+            <a:schemeClr val="accent1"/>
+          </a:effectRef>
+          <a:fontRef idx="minor">
+            <a:schemeClr val="lt1"/>
+          </a:fontRef>
+        </p:style>
+        <p:txBody>
+          <a:bodyPr rtlCol="0" anchor="ctr"/>
+          <a:lstStyle/>
+          <a:p>
+            <a:pPr algn="ctr"/>
+            <a:r>
+              <a:rPr lang="en-US" altLang="ko-KR" dirty="0">
+                <a:solidFill>
+                  <a:schemeClr val="tx1"/>
+                </a:solidFill>
+              </a:rPr>
+              <a:t>Footer</a:t>
+            </a:r>
+            <a:endParaRPr lang="ko-KR" altLang="en-US" dirty="0">
+              <a:solidFill>
+                <a:schemeClr val="tx1"/>
+              </a:solidFill>
+            </a:endParaRPr>
+          </a:p>
+        </p:txBody>
+      </p:sp>
+      <p:sp>
+        <p:nvSpPr>
+          <p:cNvPr id="8" name="직사각형 7">
+            <a:extLst>
+              <a:ext uri="{FF2B5EF4-FFF2-40B4-BE49-F238E27FC236}">
+                <a16:creationId xmlns:a16="http://schemas.microsoft.com/office/drawing/2014/main" id="{C4005FF6-89DA-4BC6-8866-C4136F9E72A6}"/>
+              </a:ext>
+            </a:extLst>
+          </p:cNvPr>
+          <p:cNvSpPr/>
+          <p:nvPr/>
+        </p:nvSpPr>
+        <p:spPr>
+          <a:xfrm>
+            <a:off x="2468009" y="681320"/>
+            <a:ext cx="3039035" cy="3048000"/>
+          </a:xfrm>
+          <a:prstGeom prst="rect">
+            <a:avLst/>
+          </a:prstGeom>
+        </p:spPr>
+        <p:style>
+          <a:lnRef idx="2">
+            <a:schemeClr val="accent1">
+              <a:shade val="50000"/>
+            </a:schemeClr>
+          </a:lnRef>
+          <a:fillRef idx="1">
+            <a:schemeClr val="accent1"/>
+          </a:fillRef>
+          <a:effectRef idx="0">
+            <a:schemeClr val="accent1"/>
+          </a:effectRef>
+          <a:fontRef idx="minor">
+            <a:schemeClr val="lt1"/>
+          </a:fontRef>
+        </p:style>
+        <p:txBody>
+          <a:bodyPr rtlCol="0" anchor="ctr"/>
+          <a:lstStyle/>
+          <a:p>
+            <a:pPr algn="ctr"/>
+            <a:r>
+              <a:rPr lang="ko-KR" altLang="en-US" dirty="0"/>
+              <a:t>이미지</a:t>
+            </a:r>
+          </a:p>
+        </p:txBody>
+      </p:sp>
+      <p:sp>
+        <p:nvSpPr>
+          <p:cNvPr id="9" name="직사각형 8">
+            <a:extLst>
+              <a:ext uri="{FF2B5EF4-FFF2-40B4-BE49-F238E27FC236}">
+                <a16:creationId xmlns:a16="http://schemas.microsoft.com/office/drawing/2014/main" id="{6A4E4AAD-3992-4D35-9A68-C027847214EA}"/>
+              </a:ext>
+            </a:extLst>
+          </p:cNvPr>
+          <p:cNvSpPr/>
+          <p:nvPr/>
+        </p:nvSpPr>
+        <p:spPr>
+          <a:xfrm>
+            <a:off x="5671123" y="681321"/>
+            <a:ext cx="1810871" cy="309282"/>
+          </a:xfrm>
+          <a:prstGeom prst="rect">
+            <a:avLst/>
+          </a:prstGeom>
+          <a:noFill/>
+          <a:ln w="19050">
+            <a:solidFill>
+              <a:schemeClr val="tx1"/>
+            </a:solidFill>
+          </a:ln>
+        </p:spPr>
+        <p:style>
+          <a:lnRef idx="2">
+            <a:schemeClr val="accent1">
+              <a:shade val="50000"/>
+            </a:schemeClr>
+          </a:lnRef>
+          <a:fillRef idx="1">
+            <a:schemeClr val="accent1"/>
+          </a:fillRef>
+          <a:effectRef idx="0">
+            <a:schemeClr val="accent1"/>
+          </a:effectRef>
+          <a:fontRef idx="minor">
+            <a:schemeClr val="lt1"/>
+          </a:fontRef>
+        </p:style>
+        <p:txBody>
+          <a:bodyPr rtlCol="0" anchor="ctr"/>
+          <a:lstStyle/>
+          <a:p>
+            <a:pPr algn="ctr"/>
+            <a:r>
+              <a:rPr lang="ko-KR" altLang="en-US" dirty="0">
+                <a:solidFill>
+                  <a:sysClr val="windowText" lastClr="000000"/>
+                </a:solidFill>
+              </a:rPr>
+              <a:t>상품명</a:t>
+            </a:r>
+          </a:p>
+        </p:txBody>
+      </p:sp>
+      <p:sp>
+        <p:nvSpPr>
+          <p:cNvPr id="12" name="직사각형 11">
+            <a:extLst>
+              <a:ext uri="{FF2B5EF4-FFF2-40B4-BE49-F238E27FC236}">
+                <a16:creationId xmlns:a16="http://schemas.microsoft.com/office/drawing/2014/main" id="{95E4EBB2-806C-4CA0-A94F-BB789E4A3DE1}"/>
+              </a:ext>
+            </a:extLst>
+          </p:cNvPr>
+          <p:cNvSpPr/>
+          <p:nvPr/>
+        </p:nvSpPr>
+        <p:spPr>
+          <a:xfrm>
+            <a:off x="5671123" y="1165416"/>
+            <a:ext cx="1810871" cy="309282"/>
+          </a:xfrm>
+          <a:prstGeom prst="rect">
+            <a:avLst/>
+          </a:prstGeom>
+          <a:noFill/>
+          <a:ln w="19050">
+            <a:solidFill>
+              <a:schemeClr val="tx1"/>
+            </a:solidFill>
+          </a:ln>
+        </p:spPr>
+        <p:style>
+          <a:lnRef idx="2">
+            <a:schemeClr val="accent1">
+              <a:shade val="50000"/>
+            </a:schemeClr>
+          </a:lnRef>
+          <a:fillRef idx="1">
+            <a:schemeClr val="accent1"/>
+          </a:fillRef>
+          <a:effectRef idx="0">
+            <a:schemeClr val="accent1"/>
+          </a:effectRef>
+          <a:fontRef idx="minor">
+            <a:schemeClr val="lt1"/>
+          </a:fontRef>
+        </p:style>
+        <p:txBody>
+          <a:bodyPr rtlCol="0" anchor="ctr"/>
+          <a:lstStyle/>
+          <a:p>
+            <a:pPr algn="ctr"/>
+            <a:r>
+              <a:rPr lang="ko-KR" altLang="en-US" dirty="0">
+                <a:solidFill>
+                  <a:sysClr val="windowText" lastClr="000000"/>
+                </a:solidFill>
+              </a:rPr>
+              <a:t>가격</a:t>
+            </a:r>
+          </a:p>
+        </p:txBody>
+      </p:sp>
+      <p:sp>
+        <p:nvSpPr>
+          <p:cNvPr id="13" name="직사각형 12">
+            <a:extLst>
+              <a:ext uri="{FF2B5EF4-FFF2-40B4-BE49-F238E27FC236}">
+                <a16:creationId xmlns:a16="http://schemas.microsoft.com/office/drawing/2014/main" id="{FC43F8E3-081C-4FDB-9153-D7B4C33FFDC8}"/>
+              </a:ext>
+            </a:extLst>
+          </p:cNvPr>
+          <p:cNvSpPr/>
+          <p:nvPr/>
+        </p:nvSpPr>
+        <p:spPr>
+          <a:xfrm>
+            <a:off x="5671123" y="1649511"/>
+            <a:ext cx="1810871" cy="309282"/>
+          </a:xfrm>
+          <a:prstGeom prst="rect">
+            <a:avLst/>
+          </a:prstGeom>
+          <a:noFill/>
+          <a:ln w="19050">
+            <a:solidFill>
+              <a:schemeClr val="tx1"/>
+            </a:solidFill>
+          </a:ln>
+        </p:spPr>
+        <p:style>
+          <a:lnRef idx="2">
+            <a:schemeClr val="accent1">
+              <a:shade val="50000"/>
+            </a:schemeClr>
+          </a:lnRef>
+          <a:fillRef idx="1">
+            <a:schemeClr val="accent1"/>
+          </a:fillRef>
+          <a:effectRef idx="0">
+            <a:schemeClr val="accent1"/>
+          </a:effectRef>
+          <a:fontRef idx="minor">
+            <a:schemeClr val="lt1"/>
+          </a:fontRef>
+        </p:style>
+        <p:txBody>
+          <a:bodyPr rtlCol="0" anchor="ctr"/>
+          <a:lstStyle/>
+          <a:p>
+            <a:pPr algn="ctr"/>
+            <a:r>
+              <a:rPr lang="ko-KR" altLang="en-US" dirty="0">
+                <a:solidFill>
+                  <a:sysClr val="windowText" lastClr="000000"/>
+                </a:solidFill>
+              </a:rPr>
+              <a:t>색상</a:t>
+            </a:r>
+          </a:p>
+        </p:txBody>
+      </p:sp>
+      <p:sp>
+        <p:nvSpPr>
+          <p:cNvPr id="15" name="직사각형 14">
+            <a:extLst>
+              <a:ext uri="{FF2B5EF4-FFF2-40B4-BE49-F238E27FC236}">
+                <a16:creationId xmlns:a16="http://schemas.microsoft.com/office/drawing/2014/main" id="{DEE28545-4842-4E4B-801A-748E0EE0DF95}"/>
+              </a:ext>
+            </a:extLst>
+          </p:cNvPr>
+          <p:cNvSpPr/>
+          <p:nvPr/>
+        </p:nvSpPr>
+        <p:spPr>
+          <a:xfrm>
+            <a:off x="5671123" y="2133606"/>
+            <a:ext cx="1810871" cy="309282"/>
+          </a:xfrm>
+          <a:prstGeom prst="rect">
+            <a:avLst/>
+          </a:prstGeom>
+          <a:noFill/>
+          <a:ln w="19050">
+            <a:solidFill>
+              <a:schemeClr val="tx1"/>
+            </a:solidFill>
+          </a:ln>
+        </p:spPr>
+        <p:style>
+          <a:lnRef idx="2">
+            <a:schemeClr val="accent1">
+              <a:shade val="50000"/>
+            </a:schemeClr>
+          </a:lnRef>
+          <a:fillRef idx="1">
+            <a:schemeClr val="accent1"/>
+          </a:fillRef>
+          <a:effectRef idx="0">
+            <a:schemeClr val="accent1"/>
+          </a:effectRef>
+          <a:fontRef idx="minor">
+            <a:schemeClr val="lt1"/>
+          </a:fontRef>
+        </p:style>
+        <p:txBody>
+          <a:bodyPr rtlCol="0" anchor="ctr"/>
+          <a:lstStyle/>
+          <a:p>
+            <a:pPr algn="ctr"/>
+            <a:r>
+              <a:rPr lang="ko-KR" altLang="en-US" dirty="0">
+                <a:solidFill>
+                  <a:sysClr val="windowText" lastClr="000000"/>
+                </a:solidFill>
+              </a:rPr>
+              <a:t>사이즈</a:t>
+            </a:r>
+          </a:p>
+        </p:txBody>
+      </p:sp>
+      <p:sp>
+        <p:nvSpPr>
+          <p:cNvPr id="17" name="직사각형 16">
+            <a:extLst>
+              <a:ext uri="{FF2B5EF4-FFF2-40B4-BE49-F238E27FC236}">
+                <a16:creationId xmlns:a16="http://schemas.microsoft.com/office/drawing/2014/main" id="{10D608B2-B09B-404E-8D0C-39D95A007DD3}"/>
+              </a:ext>
+            </a:extLst>
+          </p:cNvPr>
+          <p:cNvSpPr/>
+          <p:nvPr/>
+        </p:nvSpPr>
+        <p:spPr>
+          <a:xfrm>
+            <a:off x="5671123" y="2622178"/>
+            <a:ext cx="1810871" cy="309282"/>
+          </a:xfrm>
+          <a:prstGeom prst="rect">
+            <a:avLst/>
+          </a:prstGeom>
+          <a:noFill/>
+          <a:ln w="19050">
+            <a:solidFill>
+              <a:schemeClr val="tx1"/>
+            </a:solidFill>
+          </a:ln>
+        </p:spPr>
+        <p:style>
+          <a:lnRef idx="2">
+            <a:schemeClr val="accent1">
+              <a:shade val="50000"/>
+            </a:schemeClr>
+          </a:lnRef>
+          <a:fillRef idx="1">
+            <a:schemeClr val="accent1"/>
+          </a:fillRef>
+          <a:effectRef idx="0">
+            <a:schemeClr val="accent1"/>
+          </a:effectRef>
+          <a:fontRef idx="minor">
+            <a:schemeClr val="lt1"/>
+          </a:fontRef>
+        </p:style>
+        <p:txBody>
+          <a:bodyPr rtlCol="0" anchor="ctr"/>
+          <a:lstStyle/>
+          <a:p>
+            <a:pPr algn="ctr"/>
+            <a:r>
+              <a:rPr lang="ko-KR" altLang="en-US" dirty="0">
+                <a:solidFill>
+                  <a:sysClr val="windowText" lastClr="000000"/>
+                </a:solidFill>
+              </a:rPr>
+              <a:t>수량</a:t>
+            </a:r>
+          </a:p>
+        </p:txBody>
+      </p:sp>
+      <p:sp>
+        <p:nvSpPr>
+          <p:cNvPr id="19" name="직각 삼각형 18">
+            <a:extLst>
+              <a:ext uri="{FF2B5EF4-FFF2-40B4-BE49-F238E27FC236}">
+                <a16:creationId xmlns:a16="http://schemas.microsoft.com/office/drawing/2014/main" id="{A21D5F85-827B-4E0F-946C-ABCEFDCBFF2A}"/>
+              </a:ext>
+            </a:extLst>
+          </p:cNvPr>
+          <p:cNvSpPr/>
+          <p:nvPr/>
+        </p:nvSpPr>
+        <p:spPr>
+          <a:xfrm rot="18920434">
+            <a:off x="7243980" y="2798309"/>
+            <a:ext cx="45720" cy="45719"/>
+          </a:xfrm>
+          <a:prstGeom prst="rtTriangle">
+            <a:avLst/>
+          </a:prstGeom>
+          <a:solidFill>
+            <a:schemeClr val="tx1"/>
+          </a:solidFill>
+          <a:ln>
+            <a:solidFill>
+              <a:schemeClr val="tx1"/>
+            </a:solidFill>
+          </a:ln>
+        </p:spPr>
+        <p:style>
+          <a:lnRef idx="2">
+            <a:schemeClr val="accent1">
+              <a:shade val="50000"/>
+            </a:schemeClr>
+          </a:lnRef>
+          <a:fillRef idx="1">
+            <a:schemeClr val="accent1"/>
+          </a:fillRef>
+          <a:effectRef idx="0">
+            <a:schemeClr val="accent1"/>
+          </a:effectRef>
+          <a:fontRef idx="minor">
+            <a:schemeClr val="lt1"/>
+          </a:fontRef>
+        </p:style>
+        <p:txBody>
+          <a:bodyPr rtlCol="0" anchor="ctr"/>
+          <a:lstStyle/>
+          <a:p>
+            <a:pPr algn="ctr"/>
+            <a:endParaRPr lang="ko-KR" altLang="en-US"/>
+          </a:p>
+        </p:txBody>
+      </p:sp>
+      <p:sp>
+        <p:nvSpPr>
+          <p:cNvPr id="20" name="직각 삼각형 19">
+            <a:extLst>
+              <a:ext uri="{FF2B5EF4-FFF2-40B4-BE49-F238E27FC236}">
+                <a16:creationId xmlns:a16="http://schemas.microsoft.com/office/drawing/2014/main" id="{7E5EB43D-69EB-49C4-8EE8-735E89EA28D9}"/>
+              </a:ext>
+            </a:extLst>
+          </p:cNvPr>
+          <p:cNvSpPr/>
+          <p:nvPr/>
+        </p:nvSpPr>
+        <p:spPr>
+          <a:xfrm rot="8026483">
+            <a:off x="7243980" y="2713140"/>
+            <a:ext cx="45719" cy="45720"/>
+          </a:xfrm>
+          <a:prstGeom prst="rtTriangle">
+            <a:avLst/>
+          </a:prstGeom>
+          <a:solidFill>
+            <a:schemeClr val="tx1"/>
+          </a:solidFill>
+          <a:ln>
+            <a:solidFill>
+              <a:schemeClr val="tx1"/>
+            </a:solidFill>
+          </a:ln>
+        </p:spPr>
+        <p:style>
+          <a:lnRef idx="2">
+            <a:schemeClr val="accent1">
+              <a:shade val="50000"/>
+            </a:schemeClr>
+          </a:lnRef>
+          <a:fillRef idx="1">
+            <a:schemeClr val="accent1"/>
+          </a:fillRef>
+          <a:effectRef idx="0">
+            <a:schemeClr val="accent1"/>
+          </a:effectRef>
+          <a:fontRef idx="minor">
+            <a:schemeClr val="lt1"/>
+          </a:fontRef>
+        </p:style>
+        <p:txBody>
+          <a:bodyPr rtlCol="0" anchor="ctr"/>
+          <a:lstStyle/>
+          <a:p>
+            <a:pPr algn="ctr"/>
+            <a:endParaRPr lang="ko-KR" altLang="en-US"/>
+          </a:p>
+        </p:txBody>
+      </p:sp>
+      <p:sp>
+        <p:nvSpPr>
+          <p:cNvPr id="21" name="직사각형 20">
+            <a:extLst>
+              <a:ext uri="{FF2B5EF4-FFF2-40B4-BE49-F238E27FC236}">
+                <a16:creationId xmlns:a16="http://schemas.microsoft.com/office/drawing/2014/main" id="{111A97F4-1DF7-42D2-9273-59E69D352833}"/>
+              </a:ext>
+            </a:extLst>
+          </p:cNvPr>
+          <p:cNvSpPr/>
+          <p:nvPr/>
+        </p:nvSpPr>
+        <p:spPr>
+          <a:xfrm>
+            <a:off x="5671123" y="3420038"/>
+            <a:ext cx="1810871" cy="309282"/>
+          </a:xfrm>
+          <a:prstGeom prst="rect">
+            <a:avLst/>
+          </a:prstGeom>
+          <a:noFill/>
+          <a:ln w="19050">
+            <a:solidFill>
+              <a:schemeClr val="tx1"/>
+            </a:solidFill>
+          </a:ln>
+        </p:spPr>
+        <p:style>
+          <a:lnRef idx="2">
+            <a:schemeClr val="accent1">
+              <a:shade val="50000"/>
+            </a:schemeClr>
+          </a:lnRef>
+          <a:fillRef idx="1">
+            <a:schemeClr val="accent1"/>
+          </a:fillRef>
+          <a:effectRef idx="0">
+            <a:schemeClr val="accent1"/>
+          </a:effectRef>
+          <a:fontRef idx="minor">
+            <a:schemeClr val="lt1"/>
+          </a:fontRef>
+        </p:style>
+        <p:txBody>
+          <a:bodyPr rtlCol="0" anchor="ctr"/>
+          <a:lstStyle/>
+          <a:p>
+            <a:pPr algn="ctr"/>
+            <a:r>
+              <a:rPr lang="ko-KR" altLang="en-US" dirty="0">
+                <a:solidFill>
+                  <a:sysClr val="windowText" lastClr="000000"/>
+                </a:solidFill>
+              </a:rPr>
+              <a:t>장바구니 담기</a:t>
+            </a:r>
+          </a:p>
+        </p:txBody>
+      </p:sp>
+      <p:sp>
+        <p:nvSpPr>
+          <p:cNvPr id="22" name="직사각형 21">
+            <a:extLst>
+              <a:ext uri="{FF2B5EF4-FFF2-40B4-BE49-F238E27FC236}">
+                <a16:creationId xmlns:a16="http://schemas.microsoft.com/office/drawing/2014/main" id="{31EA3394-E02D-4596-AEA2-5F288F18F55F}"/>
+              </a:ext>
+            </a:extLst>
+          </p:cNvPr>
+          <p:cNvSpPr/>
+          <p:nvPr/>
+        </p:nvSpPr>
+        <p:spPr>
+          <a:xfrm>
+            <a:off x="5671123" y="3030074"/>
+            <a:ext cx="1810871" cy="309282"/>
+          </a:xfrm>
+          <a:prstGeom prst="rect">
+            <a:avLst/>
+          </a:prstGeom>
+          <a:noFill/>
+          <a:ln w="19050">
+            <a:solidFill>
+              <a:schemeClr val="tx1"/>
+            </a:solidFill>
+          </a:ln>
+        </p:spPr>
+        <p:style>
+          <a:lnRef idx="2">
+            <a:schemeClr val="accent1">
+              <a:shade val="50000"/>
+            </a:schemeClr>
+          </a:lnRef>
+          <a:fillRef idx="1">
+            <a:schemeClr val="accent1"/>
+          </a:fillRef>
+          <a:effectRef idx="0">
+            <a:schemeClr val="accent1"/>
+          </a:effectRef>
+          <a:fontRef idx="minor">
+            <a:schemeClr val="lt1"/>
+          </a:fontRef>
+        </p:style>
+        <p:txBody>
+          <a:bodyPr rtlCol="0" anchor="ctr"/>
+          <a:lstStyle/>
+          <a:p>
+            <a:pPr algn="ctr"/>
+            <a:r>
+              <a:rPr lang="ko-KR" altLang="en-US" dirty="0">
+                <a:solidFill>
+                  <a:sysClr val="windowText" lastClr="000000"/>
+                </a:solidFill>
+              </a:rPr>
+              <a:t>바로 구매하기</a:t>
+            </a:r>
+          </a:p>
+        </p:txBody>
+      </p:sp>
+      <p:sp>
+        <p:nvSpPr>
+          <p:cNvPr id="23" name="화살표: 왼쪽/위쪽 22">
+            <a:extLst>
+              <a:ext uri="{FF2B5EF4-FFF2-40B4-BE49-F238E27FC236}">
+                <a16:creationId xmlns:a16="http://schemas.microsoft.com/office/drawing/2014/main" id="{08774DDB-7C52-4809-A720-D9B861DCFDFF}"/>
+              </a:ext>
+            </a:extLst>
+          </p:cNvPr>
+          <p:cNvSpPr/>
+          <p:nvPr/>
+        </p:nvSpPr>
+        <p:spPr>
+          <a:xfrm rot="2686300">
+            <a:off x="7181680" y="1723889"/>
+            <a:ext cx="152388" cy="152388"/>
+          </a:xfrm>
+          <a:prstGeom prst="leftUpArrow">
+            <a:avLst/>
+          </a:prstGeom>
+          <a:solidFill>
+            <a:schemeClr val="tx1"/>
+          </a:solidFill>
+          <a:ln>
+            <a:solidFill>
+              <a:schemeClr val="tx1"/>
+            </a:solidFill>
+          </a:ln>
+        </p:spPr>
+        <p:style>
+          <a:lnRef idx="2">
+            <a:schemeClr val="accent1">
+              <a:shade val="50000"/>
+            </a:schemeClr>
+          </a:lnRef>
+          <a:fillRef idx="1">
+            <a:schemeClr val="accent1"/>
+          </a:fillRef>
+          <a:effectRef idx="0">
+            <a:schemeClr val="accent1"/>
+          </a:effectRef>
+          <a:fontRef idx="minor">
+            <a:schemeClr val="lt1"/>
+          </a:fontRef>
+        </p:style>
+        <p:txBody>
+          <a:bodyPr rtlCol="0" anchor="ctr"/>
+          <a:lstStyle/>
+          <a:p>
+            <a:pPr algn="ctr"/>
+            <a:endParaRPr lang="ko-KR" altLang="en-US"/>
+          </a:p>
+        </p:txBody>
+      </p:sp>
+      <p:sp>
+        <p:nvSpPr>
+          <p:cNvPr id="24" name="화살표: 왼쪽/위쪽 23">
+            <a:extLst>
+              <a:ext uri="{FF2B5EF4-FFF2-40B4-BE49-F238E27FC236}">
+                <a16:creationId xmlns:a16="http://schemas.microsoft.com/office/drawing/2014/main" id="{B2ADED1E-6017-4955-9C84-28B2775D4D34}"/>
+              </a:ext>
+            </a:extLst>
+          </p:cNvPr>
+          <p:cNvSpPr/>
+          <p:nvPr/>
+        </p:nvSpPr>
+        <p:spPr>
+          <a:xfrm rot="2686300">
+            <a:off x="7181681" y="2207984"/>
+            <a:ext cx="152388" cy="152388"/>
+          </a:xfrm>
+          <a:prstGeom prst="leftUpArrow">
+            <a:avLst/>
+          </a:prstGeom>
+          <a:solidFill>
+            <a:schemeClr val="tx1"/>
+          </a:solidFill>
+          <a:ln>
+            <a:solidFill>
+              <a:schemeClr val="tx1"/>
+            </a:solidFill>
+          </a:ln>
+        </p:spPr>
+        <p:style>
+          <a:lnRef idx="2">
+            <a:schemeClr val="accent1">
+              <a:shade val="50000"/>
+            </a:schemeClr>
+          </a:lnRef>
+          <a:fillRef idx="1">
+            <a:schemeClr val="accent1"/>
+          </a:fillRef>
+          <a:effectRef idx="0">
+            <a:schemeClr val="accent1"/>
+          </a:effectRef>
+          <a:fontRef idx="minor">
+            <a:schemeClr val="lt1"/>
+          </a:fontRef>
+        </p:style>
+        <p:txBody>
+          <a:bodyPr rtlCol="0" anchor="ctr"/>
+          <a:lstStyle/>
+          <a:p>
+            <a:pPr algn="ctr"/>
+            <a:endParaRPr lang="ko-KR" altLang="en-US"/>
+          </a:p>
+        </p:txBody>
+      </p:sp>
+    </p:spTree>
+    <p:extLst>
+      <p:ext uri="{BB962C8B-B14F-4D97-AF65-F5344CB8AC3E}">
+        <p14:creationId xmlns:p14="http://schemas.microsoft.com/office/powerpoint/2010/main" val="255492463"/>
+      </p:ext>
+    </p:extLst>
+  </p:cSld>
+  <p:clrMapOvr>
+    <a:masterClrMapping/>
+  </p:clrMapOvr>
+</p:sld>
+</file>
+
+<file path=ppt/slides/slide8.xml><?xml version="1.0" encoding="utf-8"?>
+<p:sld xmlns:a="http://schemas.openxmlformats.org/drawingml/2006/main" xmlns:r="http://schemas.openxmlformats.org/officeDocument/2006/relationships" xmlns:p="http://schemas.openxmlformats.org/presentationml/2006/main">
+  <p:cSld>
+    <p:spTree>
+      <p:nvGrpSpPr>
+        <p:cNvPr id="1" name=""/>
+        <p:cNvGrpSpPr/>
+        <p:nvPr/>
+      </p:nvGrpSpPr>
+      <p:grpSpPr>
+        <a:xfrm>
+          <a:off x="0" y="0"/>
+          <a:ext cx="0" cy="0"/>
+          <a:chOff x="0" y="0"/>
+          <a:chExt cx="0" cy="0"/>
+        </a:xfrm>
+      </p:grpSpPr>
+      <p:sp>
+        <p:nvSpPr>
+          <p:cNvPr id="5" name="직사각형 4">
+            <a:extLst>
+              <a:ext uri="{FF2B5EF4-FFF2-40B4-BE49-F238E27FC236}">
+                <a16:creationId xmlns:a16="http://schemas.microsoft.com/office/drawing/2014/main" id="{E4062675-4E3A-4064-A656-E2A9E4B4BE1D}"/>
+              </a:ext>
+            </a:extLst>
+          </p:cNvPr>
+          <p:cNvSpPr/>
+          <p:nvPr/>
+        </p:nvSpPr>
+        <p:spPr>
+          <a:xfrm>
+            <a:off x="2303930" y="1"/>
+            <a:ext cx="5178064" cy="510988"/>
+          </a:xfrm>
+          <a:prstGeom prst="rect">
+            <a:avLst/>
+          </a:prstGeom>
+          <a:noFill/>
+          <a:ln w="19050">
+            <a:solidFill>
+              <a:schemeClr val="tx1"/>
+            </a:solidFill>
+          </a:ln>
+        </p:spPr>
+        <p:style>
+          <a:lnRef idx="2">
+            <a:schemeClr val="accent1">
+              <a:shade val="50000"/>
+            </a:schemeClr>
+          </a:lnRef>
+          <a:fillRef idx="1">
+            <a:schemeClr val="accent1"/>
+          </a:fillRef>
+          <a:effectRef idx="0">
+            <a:schemeClr val="accent1"/>
+          </a:effectRef>
+          <a:fontRef idx="minor">
+            <a:schemeClr val="lt1"/>
+          </a:fontRef>
+        </p:style>
+        <p:txBody>
+          <a:bodyPr rtlCol="0" anchor="ctr"/>
+          <a:lstStyle/>
+          <a:p>
+            <a:pPr algn="ctr"/>
+            <a:r>
+              <a:rPr lang="en-US" altLang="ko-KR" dirty="0">
+                <a:solidFill>
+                  <a:schemeClr val="tx1"/>
+                </a:solidFill>
+              </a:rPr>
+              <a:t>Header</a:t>
+            </a:r>
+            <a:endParaRPr lang="ko-KR" altLang="en-US" dirty="0">
+              <a:solidFill>
+                <a:schemeClr val="tx1"/>
+              </a:solidFill>
+            </a:endParaRPr>
+          </a:p>
+        </p:txBody>
+      </p:sp>
+      <p:sp>
+        <p:nvSpPr>
+          <p:cNvPr id="7" name="직사각형 6">
+            <a:extLst>
+              <a:ext uri="{FF2B5EF4-FFF2-40B4-BE49-F238E27FC236}">
+                <a16:creationId xmlns:a16="http://schemas.microsoft.com/office/drawing/2014/main" id="{835B56EE-1FE0-4B15-8564-5292B79E7786}"/>
+              </a:ext>
+            </a:extLst>
+          </p:cNvPr>
+          <p:cNvSpPr/>
+          <p:nvPr/>
+        </p:nvSpPr>
+        <p:spPr>
+          <a:xfrm>
+            <a:off x="1524001" y="0"/>
+            <a:ext cx="779929" cy="4473388"/>
+          </a:xfrm>
+          <a:prstGeom prst="rect">
+            <a:avLst/>
+          </a:prstGeom>
+          <a:noFill/>
+          <a:ln w="19050">
+            <a:solidFill>
+              <a:schemeClr val="tx1"/>
+            </a:solidFill>
+          </a:ln>
+        </p:spPr>
+        <p:style>
+          <a:lnRef idx="2">
+            <a:schemeClr val="accent2">
+              <a:shade val="50000"/>
+            </a:schemeClr>
+          </a:lnRef>
+          <a:fillRef idx="1">
+            <a:schemeClr val="accent2"/>
+          </a:fillRef>
+          <a:effectRef idx="0">
+            <a:schemeClr val="accent2"/>
+          </a:effectRef>
+          <a:fontRef idx="minor">
+            <a:schemeClr val="lt1"/>
+          </a:fontRef>
+        </p:style>
+        <p:txBody>
+          <a:bodyPr rtlCol="0" anchor="ctr"/>
+          <a:lstStyle/>
+          <a:p>
+            <a:pPr algn="ctr"/>
+            <a:r>
+              <a:rPr lang="en-US" altLang="ko-KR" dirty="0">
+                <a:solidFill>
+                  <a:schemeClr val="tx1"/>
+                </a:solidFill>
+              </a:rPr>
+              <a:t>Sider</a:t>
+            </a:r>
+            <a:endParaRPr lang="ko-KR" altLang="en-US" dirty="0">
+              <a:solidFill>
+                <a:schemeClr val="tx1"/>
+              </a:solidFill>
+            </a:endParaRPr>
+          </a:p>
+        </p:txBody>
+      </p:sp>
+      <p:sp>
+        <p:nvSpPr>
+          <p:cNvPr id="9" name="직사각형 8">
+            <a:extLst>
+              <a:ext uri="{FF2B5EF4-FFF2-40B4-BE49-F238E27FC236}">
+                <a16:creationId xmlns:a16="http://schemas.microsoft.com/office/drawing/2014/main" id="{C63B2B45-1A3A-407C-B996-63FE13383397}"/>
+              </a:ext>
+            </a:extLst>
+          </p:cNvPr>
+          <p:cNvSpPr/>
+          <p:nvPr/>
+        </p:nvSpPr>
+        <p:spPr>
+          <a:xfrm>
+            <a:off x="2303930" y="3926541"/>
+            <a:ext cx="5178064" cy="546847"/>
+          </a:xfrm>
+          <a:prstGeom prst="rect">
+            <a:avLst/>
+          </a:prstGeom>
+          <a:noFill/>
+          <a:ln w="19050">
+            <a:solidFill>
+              <a:schemeClr val="tx1"/>
+            </a:solidFill>
+          </a:ln>
+        </p:spPr>
+        <p:style>
+          <a:lnRef idx="2">
+            <a:schemeClr val="accent1">
+              <a:shade val="50000"/>
+            </a:schemeClr>
+          </a:lnRef>
+          <a:fillRef idx="1">
+            <a:schemeClr val="accent1"/>
+          </a:fillRef>
+          <a:effectRef idx="0">
+            <a:schemeClr val="accent1"/>
+          </a:effectRef>
+          <a:fontRef idx="minor">
+            <a:schemeClr val="lt1"/>
+          </a:fontRef>
+        </p:style>
+        <p:txBody>
+          <a:bodyPr rtlCol="0" anchor="ctr"/>
+          <a:lstStyle/>
+          <a:p>
+            <a:pPr algn="ctr"/>
+            <a:r>
+              <a:rPr lang="en-US" altLang="ko-KR" dirty="0">
+                <a:solidFill>
+                  <a:schemeClr val="tx1"/>
+                </a:solidFill>
+              </a:rPr>
+              <a:t>Footer</a:t>
+            </a:r>
+            <a:endParaRPr lang="ko-KR" altLang="en-US" dirty="0">
+              <a:solidFill>
+                <a:schemeClr val="tx1"/>
+              </a:solidFill>
+            </a:endParaRPr>
+          </a:p>
+        </p:txBody>
+      </p:sp>
+      <p:graphicFrame>
+        <p:nvGraphicFramePr>
+          <p:cNvPr id="10" name="표 10">
+            <a:extLst>
+              <a:ext uri="{FF2B5EF4-FFF2-40B4-BE49-F238E27FC236}">
+                <a16:creationId xmlns:a16="http://schemas.microsoft.com/office/drawing/2014/main" id="{E288DA84-E3BA-41E7-A07D-94C9A9C5F989}"/>
+              </a:ext>
+            </a:extLst>
+          </p:cNvPr>
+          <p:cNvGraphicFramePr>
+            <a:graphicFrameLocks noGrp="1"/>
+          </p:cNvGraphicFramePr>
+          <p:nvPr>
+            <p:extLst>
+              <p:ext uri="{D42A27DB-BD31-4B8C-83A1-F6EECF244321}">
+                <p14:modId xmlns:p14="http://schemas.microsoft.com/office/powerpoint/2010/main" val="1144737980"/>
+              </p:ext>
+            </p:extLst>
+          </p:nvPr>
+        </p:nvGraphicFramePr>
+        <p:xfrm>
+          <a:off x="2456328" y="889598"/>
+          <a:ext cx="5025669" cy="1391920"/>
+        </p:xfrm>
+        <a:graphic>
+          <a:graphicData uri="http://schemas.openxmlformats.org/drawingml/2006/table">
+            <a:tbl>
+              <a:tblPr firstRow="1" bandRow="1">
+                <a:tableStyleId>{5940675A-B579-460E-94D1-54222C63F5DA}</a:tableStyleId>
+              </a:tblPr>
+              <a:tblGrid>
+                <a:gridCol w="1256417">
+                  <a:extLst>
+                    <a:ext uri="{9D8B030D-6E8A-4147-A177-3AD203B41FA5}">
+                      <a16:colId xmlns:a16="http://schemas.microsoft.com/office/drawing/2014/main" val="995304507"/>
+                    </a:ext>
+                  </a:extLst>
+                </a:gridCol>
+                <a:gridCol w="1256417">
+                  <a:extLst>
+                    <a:ext uri="{9D8B030D-6E8A-4147-A177-3AD203B41FA5}">
+                      <a16:colId xmlns:a16="http://schemas.microsoft.com/office/drawing/2014/main" val="547649605"/>
+                    </a:ext>
+                  </a:extLst>
+                </a:gridCol>
+                <a:gridCol w="1256417">
+                  <a:extLst>
+                    <a:ext uri="{9D8B030D-6E8A-4147-A177-3AD203B41FA5}">
+                      <a16:colId xmlns:a16="http://schemas.microsoft.com/office/drawing/2014/main" val="499120863"/>
+                    </a:ext>
+                  </a:extLst>
+                </a:gridCol>
+                <a:gridCol w="628209">
+                  <a:extLst>
+                    <a:ext uri="{9D8B030D-6E8A-4147-A177-3AD203B41FA5}">
+                      <a16:colId xmlns:a16="http://schemas.microsoft.com/office/drawing/2014/main" val="1037824198"/>
+                    </a:ext>
+                  </a:extLst>
+                </a:gridCol>
+                <a:gridCol w="628209">
+                  <a:extLst>
+                    <a:ext uri="{9D8B030D-6E8A-4147-A177-3AD203B41FA5}">
+                      <a16:colId xmlns:a16="http://schemas.microsoft.com/office/drawing/2014/main" val="3995059553"/>
+                    </a:ext>
+                  </a:extLst>
+                </a:gridCol>
+              </a:tblGrid>
+              <a:tr h="256788">
+                <a:tc>
+                  <a:txBody>
+                    <a:bodyPr/>
+                    <a:lstStyle/>
+                    <a:p>
+                      <a:pPr latinLnBrk="1"/>
+                      <a:r>
+                        <a:rPr lang="ko-KR" altLang="en-US" sz="1100" dirty="0">
+                          <a:solidFill>
+                            <a:schemeClr val="tx1"/>
+                          </a:solidFill>
+                        </a:rPr>
+                        <a:t>체크박스</a:t>
+                      </a:r>
+                    </a:p>
+                  </a:txBody>
+                  <a:tcPr anchor="ctr"/>
+                </a:tc>
+                <a:tc>
+                  <a:txBody>
+                    <a:bodyPr/>
+                    <a:lstStyle/>
+                    <a:p>
+                      <a:pPr marL="0" marR="0" lvl="0" indent="0" algn="l" defTabSz="914400" rtl="0" eaLnBrk="1" fontAlgn="auto" latinLnBrk="1" hangingPunct="1">
+                        <a:lnSpc>
+                          <a:spcPct val="100000"/>
+                        </a:lnSpc>
+                        <a:spcBef>
+                          <a:spcPts val="0"/>
+                        </a:spcBef>
+                        <a:spcAft>
+                          <a:spcPts val="0"/>
+                        </a:spcAft>
+                        <a:buClrTx/>
+                        <a:buSzTx/>
+                        <a:buFontTx/>
+                        <a:buNone/>
+                        <a:tabLst/>
+                        <a:defRPr/>
+                      </a:pPr>
+                      <a:r>
+                        <a:rPr lang="ko-KR" altLang="en-US" sz="1100" dirty="0"/>
+                        <a:t>이미지 상품명</a:t>
+                      </a:r>
+                      <a:endParaRPr lang="en-US" altLang="ko-KR" sz="1100" dirty="0"/>
+                    </a:p>
+                    <a:p>
+                      <a:pPr marL="0" marR="0" lvl="0" indent="0" algn="l" defTabSz="914400" rtl="0" eaLnBrk="1" fontAlgn="auto" latinLnBrk="1" hangingPunct="1">
+                        <a:lnSpc>
+                          <a:spcPct val="100000"/>
+                        </a:lnSpc>
+                        <a:spcBef>
+                          <a:spcPts val="0"/>
+                        </a:spcBef>
+                        <a:spcAft>
+                          <a:spcPts val="0"/>
+                        </a:spcAft>
+                        <a:buClrTx/>
+                        <a:buSzTx/>
+                        <a:buFontTx/>
+                        <a:buNone/>
+                        <a:tabLst/>
+                        <a:defRPr/>
+                      </a:pPr>
+                      <a:r>
+                        <a:rPr lang="ko-KR" altLang="en-US" sz="1100" dirty="0"/>
+                        <a:t>색상</a:t>
+                      </a:r>
+                      <a:r>
+                        <a:rPr lang="en-US" altLang="ko-KR" sz="1100" dirty="0"/>
+                        <a:t>      / </a:t>
+                      </a:r>
+                      <a:r>
+                        <a:rPr lang="ko-KR" altLang="en-US" sz="1100" dirty="0"/>
+                        <a:t>사이즈</a:t>
+                      </a:r>
+                      <a:r>
+                        <a:rPr lang="en-US" altLang="ko-KR" sz="1100" dirty="0"/>
+                        <a:t>         </a:t>
+                      </a:r>
+                    </a:p>
+                  </a:txBody>
+                  <a:tcPr anchor="ctr"/>
+                </a:tc>
+                <a:tc>
+                  <a:txBody>
+                    <a:bodyPr/>
+                    <a:lstStyle/>
+                    <a:p>
+                      <a:pPr latinLnBrk="1"/>
+                      <a:r>
+                        <a:rPr lang="ko-KR" altLang="en-US" sz="1100" dirty="0"/>
+                        <a:t>판매가</a:t>
+                      </a:r>
+                    </a:p>
+                  </a:txBody>
+                  <a:tcPr anchor="ctr"/>
+                </a:tc>
+                <a:tc>
+                  <a:txBody>
+                    <a:bodyPr/>
+                    <a:lstStyle/>
+                    <a:p>
+                      <a:pPr latinLnBrk="1"/>
+                      <a:r>
+                        <a:rPr lang="ko-KR" altLang="en-US" sz="1100" dirty="0"/>
+                        <a:t>수량</a:t>
+                      </a:r>
+                    </a:p>
+                  </a:txBody>
+                  <a:tcPr anchor="ctr"/>
+                </a:tc>
+                <a:tc>
+                  <a:txBody>
+                    <a:bodyPr/>
+                    <a:lstStyle/>
+                    <a:p>
+                      <a:pPr marL="0" marR="0" lvl="0" indent="0" algn="l" defTabSz="914400" rtl="0" eaLnBrk="1" fontAlgn="auto" latinLnBrk="1" hangingPunct="1">
+                        <a:lnSpc>
+                          <a:spcPct val="100000"/>
+                        </a:lnSpc>
+                        <a:spcBef>
+                          <a:spcPts val="0"/>
+                        </a:spcBef>
+                        <a:spcAft>
+                          <a:spcPts val="0"/>
+                        </a:spcAft>
+                        <a:buClrTx/>
+                        <a:buSzTx/>
+                        <a:buFontTx/>
+                        <a:buNone/>
+                        <a:tabLst/>
+                        <a:defRPr/>
+                      </a:pPr>
+                      <a:r>
+                        <a:rPr lang="ko-KR" altLang="en-US" sz="1100" dirty="0"/>
+                        <a:t>합계</a:t>
+                      </a:r>
+                    </a:p>
+                  </a:txBody>
+                  <a:tcPr anchor="ctr"/>
+                </a:tc>
+                <a:extLst>
+                  <a:ext uri="{0D108BD9-81ED-4DB2-BD59-A6C34878D82A}">
+                    <a16:rowId xmlns:a16="http://schemas.microsoft.com/office/drawing/2014/main" val="3827347016"/>
+                  </a:ext>
+                </a:extLst>
+              </a:tr>
+              <a:tr h="370840">
+                <a:tc>
+                  <a:txBody>
+                    <a:bodyPr/>
+                    <a:lstStyle/>
+                    <a:p>
+                      <a:pPr latinLnBrk="1"/>
+                      <a:endParaRPr lang="ko-KR" altLang="en-US" sz="1100" dirty="0"/>
+                    </a:p>
+                  </a:txBody>
+                  <a:tcPr anchor="ctr"/>
+                </a:tc>
+                <a:tc>
+                  <a:txBody>
+                    <a:bodyPr/>
+                    <a:lstStyle/>
+                    <a:p>
+                      <a:pPr latinLnBrk="1"/>
+                      <a:r>
+                        <a:rPr lang="ko-KR" altLang="en-US" sz="1100" b="1" i="0" u="none" kern="1200" dirty="0" err="1">
+                          <a:solidFill>
+                            <a:schemeClr val="tx1"/>
+                          </a:solidFill>
+                          <a:effectLst/>
+                          <a:latin typeface="+mn-lt"/>
+                          <a:ea typeface="+mn-ea"/>
+                          <a:cs typeface="+mn-cs"/>
+                        </a:rPr>
+                        <a:t>헨리넥</a:t>
+                      </a:r>
+                      <a:r>
+                        <a:rPr lang="ko-KR" altLang="en-US" sz="1100" b="1" i="0" u="none" kern="1200" dirty="0">
+                          <a:solidFill>
+                            <a:schemeClr val="tx1"/>
+                          </a:solidFill>
+                          <a:effectLst/>
+                          <a:latin typeface="+mn-lt"/>
+                          <a:ea typeface="+mn-ea"/>
+                          <a:cs typeface="+mn-cs"/>
+                        </a:rPr>
+                        <a:t> </a:t>
+                      </a:r>
+                      <a:r>
+                        <a:rPr lang="ko-KR" altLang="en-US" sz="1100" b="1" i="0" u="none" kern="1200" dirty="0" err="1">
+                          <a:solidFill>
+                            <a:schemeClr val="tx1"/>
+                          </a:solidFill>
+                          <a:effectLst/>
+                          <a:latin typeface="+mn-lt"/>
+                          <a:ea typeface="+mn-ea"/>
+                          <a:cs typeface="+mn-cs"/>
+                        </a:rPr>
+                        <a:t>린넨</a:t>
+                      </a:r>
+                      <a:r>
+                        <a:rPr lang="ko-KR" altLang="en-US" sz="1100" b="1" i="0" u="none" kern="1200" dirty="0">
+                          <a:solidFill>
+                            <a:schemeClr val="tx1"/>
+                          </a:solidFill>
+                          <a:effectLst/>
+                          <a:latin typeface="+mn-lt"/>
+                          <a:ea typeface="+mn-ea"/>
+                          <a:cs typeface="+mn-cs"/>
+                        </a:rPr>
+                        <a:t> 셔츠</a:t>
+                      </a:r>
+                      <a:endParaRPr lang="en-US" altLang="ko-KR" sz="1100" b="1" i="0" u="none" kern="1200" dirty="0">
+                        <a:solidFill>
+                          <a:schemeClr val="tx1"/>
+                        </a:solidFill>
+                        <a:effectLst/>
+                        <a:latin typeface="+mn-lt"/>
+                        <a:ea typeface="+mn-ea"/>
+                        <a:cs typeface="+mn-cs"/>
+                      </a:endParaRPr>
+                    </a:p>
+                    <a:p>
+                      <a:pPr latinLnBrk="1"/>
+                      <a:r>
+                        <a:rPr lang="en-US" altLang="ko-KR" sz="1100" b="0" i="0" kern="1200" dirty="0">
+                          <a:solidFill>
+                            <a:schemeClr val="tx1"/>
+                          </a:solidFill>
+                          <a:effectLst/>
+                          <a:latin typeface="+mn-lt"/>
+                          <a:ea typeface="+mn-ea"/>
+                          <a:cs typeface="+mn-cs"/>
+                        </a:rPr>
+                        <a:t>[</a:t>
+                      </a:r>
+                      <a:r>
+                        <a:rPr lang="ko-KR" altLang="en-US" sz="1100" b="0" i="0" kern="1200" dirty="0">
+                          <a:solidFill>
+                            <a:schemeClr val="tx1"/>
+                          </a:solidFill>
+                          <a:effectLst/>
+                          <a:latin typeface="+mn-lt"/>
+                          <a:ea typeface="+mn-ea"/>
+                          <a:cs typeface="+mn-cs"/>
+                        </a:rPr>
+                        <a:t>옵션</a:t>
+                      </a:r>
+                      <a:r>
+                        <a:rPr lang="en-US" altLang="ko-KR" sz="1100" b="0" i="0" kern="1200" dirty="0">
+                          <a:solidFill>
+                            <a:schemeClr val="tx1"/>
+                          </a:solidFill>
+                          <a:effectLst/>
+                          <a:latin typeface="+mn-lt"/>
+                          <a:ea typeface="+mn-ea"/>
+                          <a:cs typeface="+mn-cs"/>
+                        </a:rPr>
+                        <a:t>: </a:t>
+                      </a:r>
+                      <a:r>
+                        <a:rPr lang="ko-KR" altLang="en-US" sz="1100" b="0" i="0" kern="1200" dirty="0">
+                          <a:solidFill>
+                            <a:schemeClr val="tx1"/>
+                          </a:solidFill>
+                          <a:effectLst/>
+                          <a:latin typeface="+mn-lt"/>
+                          <a:ea typeface="+mn-ea"/>
+                          <a:cs typeface="+mn-cs"/>
+                        </a:rPr>
+                        <a:t>화이트</a:t>
+                      </a:r>
+                      <a:r>
+                        <a:rPr lang="en-US" altLang="ko-KR" sz="1100" b="0" i="0" kern="1200" dirty="0">
+                          <a:solidFill>
+                            <a:schemeClr val="tx1"/>
+                          </a:solidFill>
+                          <a:effectLst/>
+                          <a:latin typeface="+mn-lt"/>
+                          <a:ea typeface="+mn-ea"/>
+                          <a:cs typeface="+mn-cs"/>
+                        </a:rPr>
+                        <a:t>/M (95~100)]</a:t>
+                      </a:r>
+                      <a:endParaRPr lang="ko-KR" altLang="en-US" sz="1100" u="none" dirty="0"/>
+                    </a:p>
+                  </a:txBody>
+                  <a:tcPr anchor="ctr"/>
+                </a:tc>
+                <a:tc>
+                  <a:txBody>
+                    <a:bodyPr/>
+                    <a:lstStyle/>
+                    <a:p>
+                      <a:pPr latinLnBrk="1"/>
+                      <a:r>
+                        <a:rPr lang="en-US" altLang="ko-KR" sz="1100" dirty="0"/>
+                        <a:t>20,000</a:t>
+                      </a:r>
+                      <a:endParaRPr lang="ko-KR" altLang="en-US" sz="1100" dirty="0"/>
+                    </a:p>
+                  </a:txBody>
+                  <a:tcPr anchor="ctr"/>
+                </a:tc>
+                <a:tc>
+                  <a:txBody>
+                    <a:bodyPr/>
+                    <a:lstStyle/>
+                    <a:p>
+                      <a:pPr latinLnBrk="1"/>
+                      <a:r>
+                        <a:rPr lang="en-US" altLang="ko-KR" sz="1100" dirty="0"/>
+                        <a:t>2</a:t>
+                      </a:r>
+                      <a:endParaRPr lang="ko-KR" altLang="en-US" sz="1100" dirty="0"/>
+                    </a:p>
+                  </a:txBody>
+                  <a:tcPr anchor="ctr"/>
+                </a:tc>
+                <a:tc>
+                  <a:txBody>
+                    <a:bodyPr/>
+                    <a:lstStyle/>
+                    <a:p>
+                      <a:pPr latinLnBrk="1"/>
+                      <a:r>
+                        <a:rPr lang="en-US" altLang="ko-KR" sz="1100" dirty="0"/>
+                        <a:t>40,000</a:t>
+                      </a:r>
+                      <a:endParaRPr lang="ko-KR" altLang="en-US" sz="1100" dirty="0"/>
+                    </a:p>
+                  </a:txBody>
+                  <a:tcPr anchor="ctr"/>
+                </a:tc>
+                <a:extLst>
+                  <a:ext uri="{0D108BD9-81ED-4DB2-BD59-A6C34878D82A}">
+                    <a16:rowId xmlns:a16="http://schemas.microsoft.com/office/drawing/2014/main" val="3248061016"/>
+                  </a:ext>
+                </a:extLst>
+              </a:tr>
+              <a:tr h="370840">
+                <a:tc gridSpan="5">
+                  <a:txBody>
+                    <a:bodyPr/>
+                    <a:lstStyle/>
+                    <a:p>
+                      <a:pPr latinLnBrk="1"/>
+                      <a:r>
+                        <a:rPr lang="ko-KR" altLang="en-US" sz="1100" dirty="0"/>
+                        <a:t>합계</a:t>
+                      </a:r>
+                    </a:p>
+                  </a:txBody>
+                  <a:tcPr anchor="ctr"/>
+                </a:tc>
+                <a:tc hMerge="1">
+                  <a:txBody>
+                    <a:bodyPr/>
+                    <a:lstStyle/>
+                    <a:p>
+                      <a:pPr latinLnBrk="1"/>
+                      <a:endParaRPr lang="ko-KR" altLang="en-US" sz="1100"/>
+                    </a:p>
+                  </a:txBody>
+                  <a:tcPr anchor="ctr"/>
+                </a:tc>
+                <a:tc hMerge="1">
+                  <a:txBody>
+                    <a:bodyPr/>
+                    <a:lstStyle/>
+                    <a:p>
+                      <a:pPr latinLnBrk="1"/>
+                      <a:endParaRPr lang="ko-KR" altLang="en-US" sz="1100"/>
+                    </a:p>
+                  </a:txBody>
+                  <a:tcPr anchor="ctr"/>
+                </a:tc>
+                <a:tc hMerge="1">
+                  <a:txBody>
+                    <a:bodyPr/>
+                    <a:lstStyle/>
+                    <a:p>
+                      <a:pPr latinLnBrk="1"/>
+                      <a:endParaRPr lang="ko-KR" altLang="en-US" sz="1100" dirty="0"/>
+                    </a:p>
+                  </a:txBody>
+                  <a:tcPr anchor="ctr"/>
+                </a:tc>
+                <a:tc hMerge="1">
+                  <a:txBody>
+                    <a:bodyPr/>
+                    <a:lstStyle/>
+                    <a:p>
+                      <a:pPr latinLnBrk="1"/>
+                      <a:endParaRPr lang="ko-KR" altLang="en-US" sz="1100" dirty="0"/>
+                    </a:p>
+                  </a:txBody>
+                  <a:tcPr anchor="ctr"/>
+                </a:tc>
+                <a:extLst>
+                  <a:ext uri="{0D108BD9-81ED-4DB2-BD59-A6C34878D82A}">
+                    <a16:rowId xmlns:a16="http://schemas.microsoft.com/office/drawing/2014/main" val="2381705807"/>
+                  </a:ext>
+                </a:extLst>
+              </a:tr>
+            </a:tbl>
+          </a:graphicData>
+        </a:graphic>
+      </p:graphicFrame>
+      <p:pic>
+        <p:nvPicPr>
+          <p:cNvPr id="11" name="그림 10">
+            <a:extLst>
+              <a:ext uri="{FF2B5EF4-FFF2-40B4-BE49-F238E27FC236}">
+                <a16:creationId xmlns:a16="http://schemas.microsoft.com/office/drawing/2014/main" id="{5FA9A105-849E-4F02-A695-18EE2270F20C}"/>
+              </a:ext>
+            </a:extLst>
+          </p:cNvPr>
+          <p:cNvPicPr>
+            <a:picLocks noChangeAspect="1"/>
+          </p:cNvPicPr>
+          <p:nvPr/>
+        </p:nvPicPr>
+        <p:blipFill>
+          <a:blip r:embed="rId2"/>
+          <a:stretch>
+            <a:fillRect/>
+          </a:stretch>
+        </p:blipFill>
+        <p:spPr>
+          <a:xfrm>
+            <a:off x="3004858" y="1461733"/>
+            <a:ext cx="247650" cy="247650"/>
+          </a:xfrm>
+          <a:prstGeom prst="rect">
+            <a:avLst/>
+          </a:prstGeom>
+        </p:spPr>
+      </p:pic>
+      <p:sp>
+        <p:nvSpPr>
+          <p:cNvPr id="12" name="직사각형 11">
+            <a:extLst>
+              <a:ext uri="{FF2B5EF4-FFF2-40B4-BE49-F238E27FC236}">
+                <a16:creationId xmlns:a16="http://schemas.microsoft.com/office/drawing/2014/main" id="{ABB6D8A1-7CFB-4C55-A84F-7726F8F63F30}"/>
+              </a:ext>
+            </a:extLst>
+          </p:cNvPr>
+          <p:cNvSpPr/>
+          <p:nvPr/>
+        </p:nvSpPr>
+        <p:spPr>
+          <a:xfrm>
+            <a:off x="3252508" y="2675965"/>
+            <a:ext cx="1310527" cy="510988"/>
+          </a:xfrm>
+          <a:prstGeom prst="rect">
+            <a:avLst/>
+          </a:prstGeom>
+          <a:noFill/>
+          <a:ln w="19050">
+            <a:solidFill>
+              <a:schemeClr val="tx1"/>
+            </a:solidFill>
+          </a:ln>
+        </p:spPr>
+        <p:style>
+          <a:lnRef idx="2">
+            <a:schemeClr val="accent1">
+              <a:shade val="50000"/>
+            </a:schemeClr>
+          </a:lnRef>
+          <a:fillRef idx="1">
+            <a:schemeClr val="accent1"/>
+          </a:fillRef>
+          <a:effectRef idx="0">
+            <a:schemeClr val="accent1"/>
+          </a:effectRef>
+          <a:fontRef idx="minor">
+            <a:schemeClr val="lt1"/>
+          </a:fontRef>
+        </p:style>
+        <p:txBody>
+          <a:bodyPr rtlCol="0" anchor="ctr"/>
+          <a:lstStyle/>
+          <a:p>
+            <a:pPr algn="ctr"/>
+            <a:r>
+              <a:rPr lang="ko-KR" altLang="en-US" sz="1200" dirty="0">
+                <a:solidFill>
+                  <a:schemeClr val="tx1"/>
+                </a:solidFill>
+              </a:rPr>
+              <a:t>선택상품주문</a:t>
+            </a:r>
+          </a:p>
+        </p:txBody>
+      </p:sp>
+      <p:sp>
+        <p:nvSpPr>
+          <p:cNvPr id="13" name="직사각형 12">
+            <a:extLst>
+              <a:ext uri="{FF2B5EF4-FFF2-40B4-BE49-F238E27FC236}">
+                <a16:creationId xmlns:a16="http://schemas.microsoft.com/office/drawing/2014/main" id="{67D1271C-E69B-46FD-A43A-A268701C6AAD}"/>
+              </a:ext>
+            </a:extLst>
+          </p:cNvPr>
+          <p:cNvSpPr/>
+          <p:nvPr/>
+        </p:nvSpPr>
+        <p:spPr>
+          <a:xfrm>
+            <a:off x="4785473" y="2675965"/>
+            <a:ext cx="1310527" cy="510988"/>
+          </a:xfrm>
+          <a:prstGeom prst="rect">
+            <a:avLst/>
+          </a:prstGeom>
+          <a:noFill/>
+          <a:ln w="19050">
+            <a:solidFill>
+              <a:schemeClr val="tx1"/>
+            </a:solidFill>
+          </a:ln>
+        </p:spPr>
+        <p:style>
+          <a:lnRef idx="2">
+            <a:schemeClr val="accent1">
+              <a:shade val="50000"/>
+            </a:schemeClr>
+          </a:lnRef>
+          <a:fillRef idx="1">
+            <a:schemeClr val="accent1"/>
+          </a:fillRef>
+          <a:effectRef idx="0">
+            <a:schemeClr val="accent1"/>
+          </a:effectRef>
+          <a:fontRef idx="minor">
+            <a:schemeClr val="lt1"/>
+          </a:fontRef>
+        </p:style>
+        <p:txBody>
+          <a:bodyPr rtlCol="0" anchor="ctr"/>
+          <a:lstStyle/>
+          <a:p>
+            <a:pPr algn="ctr"/>
+            <a:r>
+              <a:rPr lang="ko-KR" altLang="en-US" sz="1200" dirty="0">
+                <a:solidFill>
+                  <a:schemeClr val="tx1"/>
+                </a:solidFill>
+              </a:rPr>
+              <a:t>선택상품삭제</a:t>
+            </a:r>
+          </a:p>
+        </p:txBody>
+      </p:sp>
+    </p:spTree>
+    <p:extLst>
+      <p:ext uri="{BB962C8B-B14F-4D97-AF65-F5344CB8AC3E}">
+        <p14:creationId xmlns:p14="http://schemas.microsoft.com/office/powerpoint/2010/main" val="1405829836"/>
       </p:ext>
     </p:extLst>
   </p:cSld>
